--- a/Step1-Model_speach.pptx
+++ b/Step1-Model_speach.pptx
@@ -6,21 +6,23 @@
     <p:sldMasterId id="2147483660" r:id="rId2"/>
   </p:sldMasterIdLst>
   <p:notesMasterIdLst>
-    <p:notesMasterId r:id="rId15"/>
+    <p:notesMasterId r:id="rId17"/>
   </p:notesMasterIdLst>
   <p:sldIdLst>
     <p:sldId id="256" r:id="rId3"/>
     <p:sldId id="257" r:id="rId4"/>
-    <p:sldId id="258" r:id="rId5"/>
-    <p:sldId id="259" r:id="rId6"/>
-    <p:sldId id="260" r:id="rId7"/>
-    <p:sldId id="261" r:id="rId8"/>
-    <p:sldId id="262" r:id="rId9"/>
-    <p:sldId id="263" r:id="rId10"/>
-    <p:sldId id="266" r:id="rId11"/>
-    <p:sldId id="267" r:id="rId12"/>
-    <p:sldId id="268" r:id="rId13"/>
-    <p:sldId id="269" r:id="rId14"/>
+    <p:sldId id="272" r:id="rId5"/>
+    <p:sldId id="271" r:id="rId6"/>
+    <p:sldId id="258" r:id="rId7"/>
+    <p:sldId id="259" r:id="rId8"/>
+    <p:sldId id="260" r:id="rId9"/>
+    <p:sldId id="261" r:id="rId10"/>
+    <p:sldId id="262" r:id="rId11"/>
+    <p:sldId id="263" r:id="rId12"/>
+    <p:sldId id="266" r:id="rId13"/>
+    <p:sldId id="267" r:id="rId14"/>
+    <p:sldId id="268" r:id="rId15"/>
+    <p:sldId id="269" r:id="rId16"/>
   </p:sldIdLst>
   <p:sldSz cx="12192000" cy="6858000"/>
   <p:notesSz cx="6858000" cy="9144000"/>
@@ -831,7 +833,7 @@
           <a:p>
             <a:fld id="{EABA3F4B-EFF6-45E3-A6AB-4944039E81EC}" type="datetimeFigureOut">
               <a:rPr lang="ru-UA" smtClean="0"/>
-              <a:t>24.01.2024</a:t>
+              <a:t>25.01.2024</a:t>
             </a:fld>
             <a:endParaRPr lang="ru-UA"/>
           </a:p>
@@ -1248,7 +1250,7 @@
           <a:p>
             <a:fld id="{C75B975F-BA21-4E1C-99B6-ABED30F89540}" type="datetime1">
               <a:rPr lang="ru-UA" smtClean="0"/>
-              <a:t>24.01.2024</a:t>
+              <a:t>25.01.2024</a:t>
             </a:fld>
             <a:endParaRPr lang="ru-UA"/>
           </a:p>
@@ -1452,7 +1454,7 @@
           <a:p>
             <a:fld id="{D66328E5-C855-4166-8AD5-040012BE18D2}" type="datetime1">
               <a:rPr lang="ru-UA" smtClean="0"/>
-              <a:t>24.01.2024</a:t>
+              <a:t>25.01.2024</a:t>
             </a:fld>
             <a:endParaRPr lang="ru-UA"/>
           </a:p>
@@ -1666,7 +1668,7 @@
           <a:p>
             <a:fld id="{84DAB8F6-F46E-4246-80EF-DE02354418E7}" type="datetime1">
               <a:rPr lang="ru-UA" smtClean="0"/>
-              <a:t>24.01.2024</a:t>
+              <a:t>25.01.2024</a:t>
             </a:fld>
             <a:endParaRPr lang="ru-UA"/>
           </a:p>
@@ -1870,7 +1872,7 @@
           <a:p>
             <a:fld id="{59A6EEB4-79AC-4B58-83D8-23CBDFE604A1}" type="datetime1">
               <a:rPr lang="ru-UA" smtClean="0"/>
-              <a:t>24.01.2024</a:t>
+              <a:t>25.01.2024</a:t>
             </a:fld>
             <a:endParaRPr lang="ru-UA"/>
           </a:p>
@@ -2074,7 +2076,7 @@
           <a:p>
             <a:fld id="{8467C913-2051-48A1-86F2-D1DABB2E6F13}" type="datetime1">
               <a:rPr lang="ru-UA" smtClean="0"/>
-              <a:t>24.01.2024</a:t>
+              <a:t>25.01.2024</a:t>
             </a:fld>
             <a:endParaRPr lang="ru-UA"/>
           </a:p>
@@ -2354,7 +2356,7 @@
           <a:p>
             <a:fld id="{4343B6D0-012B-4BC7-8612-51CB74638584}" type="datetime1">
               <a:rPr lang="ru-UA" smtClean="0"/>
-              <a:t>24.01.2024</a:t>
+              <a:t>25.01.2024</a:t>
             </a:fld>
             <a:endParaRPr lang="ru-UA"/>
           </a:p>
@@ -2626,7 +2628,7 @@
           <a:p>
             <a:fld id="{DA3001A2-AE52-4B99-AC5B-08EC45DA8AD0}" type="datetime1">
               <a:rPr lang="ru-UA" smtClean="0"/>
-              <a:t>24.01.2024</a:t>
+              <a:t>25.01.2024</a:t>
             </a:fld>
             <a:endParaRPr lang="ru-UA"/>
           </a:p>
@@ -3045,7 +3047,7 @@
           <a:p>
             <a:fld id="{A27ADE6B-13FE-4183-AA7E-A7D12E19AD4E}" type="datetime1">
               <a:rPr lang="ru-UA" smtClean="0"/>
-              <a:t>24.01.2024</a:t>
+              <a:t>25.01.2024</a:t>
             </a:fld>
             <a:endParaRPr lang="ru-UA"/>
           </a:p>
@@ -3191,7 +3193,7 @@
           <a:p>
             <a:fld id="{F2FE09EF-E9B0-47B3-A956-B1218ACEB757}" type="datetime1">
               <a:rPr lang="ru-UA" smtClean="0"/>
-              <a:t>24.01.2024</a:t>
+              <a:t>25.01.2024</a:t>
             </a:fld>
             <a:endParaRPr lang="ru-UA"/>
           </a:p>
@@ -3308,7 +3310,7 @@
           <a:p>
             <a:fld id="{7C0BA055-DA58-45E6-8246-829A0C23A93B}" type="datetime1">
               <a:rPr lang="ru-UA" smtClean="0"/>
-              <a:t>24.01.2024</a:t>
+              <a:t>25.01.2024</a:t>
             </a:fld>
             <a:endParaRPr lang="ru-UA"/>
           </a:p>
@@ -3625,7 +3627,7 @@
           <a:p>
             <a:fld id="{6AED41DF-758F-4A6C-8E37-CA28871B2E5A}" type="datetime1">
               <a:rPr lang="ru-UA" smtClean="0"/>
-              <a:t>24.01.2024</a:t>
+              <a:t>25.01.2024</a:t>
             </a:fld>
             <a:endParaRPr lang="ru-UA"/>
           </a:p>
@@ -3918,7 +3920,7 @@
           <a:p>
             <a:fld id="{B092880E-860C-4927-A378-BCF65DB089C9}" type="datetime1">
               <a:rPr lang="ru-UA" smtClean="0"/>
-              <a:t>24.01.2024</a:t>
+              <a:t>25.01.2024</a:t>
             </a:fld>
             <a:endParaRPr lang="ru-UA"/>
           </a:p>
@@ -4165,7 +4167,7 @@
           <a:p>
             <a:fld id="{50344D1B-5235-486F-A999-CD74520911B6}" type="datetime1">
               <a:rPr lang="ru-UA" smtClean="0"/>
-              <a:t>24.01.2024</a:t>
+              <a:t>25.01.2024</a:t>
             </a:fld>
             <a:endParaRPr lang="ru-UA"/>
           </a:p>
@@ -4740,7 +4742,7 @@
           <a:p>
             <a:fld id="{9C7A89E3-11C1-461D-A07E-46F7027CA28E}" type="datetime1">
               <a:rPr lang="ru-UA" smtClean="0"/>
-              <a:t>24.01.2024</a:t>
+              <a:t>25.01.2024</a:t>
             </a:fld>
             <a:endParaRPr lang="ru-UA"/>
           </a:p>
@@ -5374,17 +5376,47 @@
                 <a:ea typeface="+mj-ea"/>
                 <a:cs typeface="+mj-cs"/>
               </a:rPr>
-              <a:t>Continuous Monitoring</a:t>
-            </a:r>
-          </a:p>
-        </p:txBody>
-      </p:sp>
+              <a:t>Continuous Testing</a:t>
+            </a:r>
+          </a:p>
+        </p:txBody>
+      </p:sp>
+      <p:pic>
+        <p:nvPicPr>
+          <p:cNvPr id="4" name="Picture 3">
+            <a:extLst>
+              <a:ext uri="{FF2B5EF4-FFF2-40B4-BE49-F238E27FC236}">
+                <a16:creationId xmlns:a16="http://schemas.microsoft.com/office/drawing/2014/main" id="{0A4A47BB-B86E-CE6D-6738-81D9FF41289F}"/>
+              </a:ext>
+            </a:extLst>
+          </p:cNvPr>
+          <p:cNvPicPr>
+            <a:picLocks noChangeAspect="1"/>
+          </p:cNvPicPr>
+          <p:nvPr/>
+        </p:nvPicPr>
+        <p:blipFill>
+          <a:blip r:embed="rId2"/>
+          <a:stretch>
+            <a:fillRect/>
+          </a:stretch>
+        </p:blipFill>
+        <p:spPr>
+          <a:xfrm>
+            <a:off x="1028700" y="5536229"/>
+            <a:ext cx="2378858" cy="826653"/>
+          </a:xfrm>
+          <a:prstGeom prst="rect">
+            <a:avLst/>
+          </a:prstGeom>
+        </p:spPr>
+      </p:pic>
       <p:sp>
         <p:nvSpPr>
           <p:cNvPr id="5" name="TextBox 4">
             <a:extLst>
               <a:ext uri="{FF2B5EF4-FFF2-40B4-BE49-F238E27FC236}">
-                <a16:creationId xmlns:a16="http://schemas.microsoft.com/office/drawing/2014/main" id="{02856B1C-9D37-7B11-BA48-D0E2FC265F83}"/>
+                <a16:creationId xmlns:a16="http://schemas.microsoft.com/office/drawing/2014/main" id="{E202FD3D-76E9-4318-0828-6FB8B5DBD2C5}"/>
               </a:ext>
             </a:extLst>
           </p:cNvPr>
@@ -5393,8 +5425,8 @@
         </p:nvSpPr>
         <p:spPr>
           <a:xfrm>
-            <a:off x="5069478" y="1929200"/>
-            <a:ext cx="6093822" cy="2585323"/>
+            <a:off x="4927476" y="2086732"/>
+            <a:ext cx="6096000" cy="2308324"/>
           </a:xfrm>
           <a:prstGeom prst="rect">
             <a:avLst/>
@@ -5409,7 +5441,23 @@
           <a:p>
             <a:r>
               <a:rPr lang="en-US" dirty="0"/>
-              <a:t>DevOps lifecycle is incomplete if there was no Continuous Monitoring. Continuous Monitoring can be achieved with the help of Prometheus and Grafana we can continuously monitor and can get notified before anything goes wrong with the help of Prometheus we can gather many performance measures, including CPU and memory utilization, network traffic, application response times, error rates, and others. Grafana makes it possible to visually represent and keep track of data from time series, such as CPU and memory utilization.</a:t>
+              <a:t>Any firm can deploy continuous testing with the use of the agile and DevOps methodologies. Depending on our needs, we can perform continuous testing using automation testing tools such as </a:t>
+            </a:r>
+            <a:r>
+              <a:rPr lang="en-US" dirty="0" err="1"/>
+              <a:t>Testsigma</a:t>
+            </a:r>
+            <a:r>
+              <a:rPr lang="en-US" dirty="0"/>
+              <a:t>, Selenium, </a:t>
+            </a:r>
+            <a:r>
+              <a:rPr lang="en-US" dirty="0" err="1"/>
+              <a:t>LambdaTest</a:t>
+            </a:r>
+            <a:r>
+              <a:rPr lang="en-US" dirty="0"/>
+              <a:t>, etc. With these tools, we can test our code and prevent problems and code smells, as well as test more quickly and intelligently. With the aid of a continuous integration platform like Jenkins, the entire process can be automated, which is another added benefit.</a:t>
             </a:r>
             <a:endParaRPr lang="ru-UA" dirty="0"/>
           </a:p>
@@ -5420,7 +5468,7 @@
           <p:cNvPr id="3" name="Footer Placeholder 2">
             <a:extLst>
               <a:ext uri="{FF2B5EF4-FFF2-40B4-BE49-F238E27FC236}">
-                <a16:creationId xmlns:a16="http://schemas.microsoft.com/office/drawing/2014/main" id="{A7A44B56-F122-0FA5-10D2-A6371398ADDF}"/>
+                <a16:creationId xmlns:a16="http://schemas.microsoft.com/office/drawing/2014/main" id="{D8043F18-6249-5EDE-EF84-B351BC86587C}"/>
               </a:ext>
             </a:extLst>
           </p:cNvPr>
@@ -5447,7 +5495,7 @@
     </p:spTree>
     <p:extLst>
       <p:ext uri="{BB962C8B-B14F-4D97-AF65-F5344CB8AC3E}">
-        <p14:creationId xmlns:p14="http://schemas.microsoft.com/office/powerpoint/2010/main" val="361920255"/>
+        <p14:creationId xmlns:p14="http://schemas.microsoft.com/office/powerpoint/2010/main" val="2476824021"/>
       </p:ext>
     </p:extLst>
   </p:cSld>
@@ -5587,6 +5635,507 @@
                 <a:ea typeface="+mj-ea"/>
                 <a:cs typeface="+mj-cs"/>
               </a:rPr>
+              <a:t>Continuous Deployment/ Continuous Delivery</a:t>
+            </a:r>
+          </a:p>
+        </p:txBody>
+      </p:sp>
+      <p:pic>
+        <p:nvPicPr>
+          <p:cNvPr id="3" name="Picture 2">
+            <a:extLst>
+              <a:ext uri="{FF2B5EF4-FFF2-40B4-BE49-F238E27FC236}">
+                <a16:creationId xmlns:a16="http://schemas.microsoft.com/office/drawing/2014/main" id="{4E45773B-3762-41A2-A15B-67E57E13AFF0}"/>
+              </a:ext>
+            </a:extLst>
+          </p:cNvPr>
+          <p:cNvPicPr>
+            <a:picLocks noChangeAspect="1"/>
+          </p:cNvPicPr>
+          <p:nvPr/>
+        </p:nvPicPr>
+        <p:blipFill>
+          <a:blip r:embed="rId2"/>
+          <a:stretch>
+            <a:fillRect/>
+          </a:stretch>
+        </p:blipFill>
+        <p:spPr>
+          <a:xfrm>
+            <a:off x="717422" y="5116362"/>
+            <a:ext cx="2656698" cy="1230592"/>
+          </a:xfrm>
+          <a:prstGeom prst="rect">
+            <a:avLst/>
+          </a:prstGeom>
+        </p:spPr>
+      </p:pic>
+      <p:sp>
+        <p:nvSpPr>
+          <p:cNvPr id="10" name="TextBox 9">
+            <a:extLst>
+              <a:ext uri="{FF2B5EF4-FFF2-40B4-BE49-F238E27FC236}">
+                <a16:creationId xmlns:a16="http://schemas.microsoft.com/office/drawing/2014/main" id="{876EA409-9CED-1530-7AE1-2CE040ED9572}"/>
+              </a:ext>
+            </a:extLst>
+          </p:cNvPr>
+          <p:cNvSpPr txBox="1"/>
+          <p:nvPr/>
+        </p:nvSpPr>
+        <p:spPr>
+          <a:xfrm>
+            <a:off x="4527804" y="1574019"/>
+            <a:ext cx="6093822" cy="1477328"/>
+          </a:xfrm>
+          <a:prstGeom prst="rect">
+            <a:avLst/>
+          </a:prstGeom>
+          <a:noFill/>
+        </p:spPr>
+        <p:txBody>
+          <a:bodyPr wrap="square">
+            <a:spAutoFit/>
+          </a:bodyPr>
+          <a:lstStyle/>
+          <a:p>
+            <a:r>
+              <a:rPr lang="en-US" dirty="0"/>
+              <a:t>Continuous Deployment: Continuous Deployment is the process of automatically deploying an application into the production environment when it has completed testing and the build stages. Here, we’ll automate everything from obtaining the application’s source code to deploying it</a:t>
+            </a:r>
+            <a:endParaRPr lang="ru-UA" dirty="0"/>
+          </a:p>
+        </p:txBody>
+      </p:sp>
+      <p:sp>
+        <p:nvSpPr>
+          <p:cNvPr id="14" name="TextBox 13">
+            <a:extLst>
+              <a:ext uri="{FF2B5EF4-FFF2-40B4-BE49-F238E27FC236}">
+                <a16:creationId xmlns:a16="http://schemas.microsoft.com/office/drawing/2014/main" id="{51860035-8393-B608-A571-9F2BF673BAF4}"/>
+              </a:ext>
+            </a:extLst>
+          </p:cNvPr>
+          <p:cNvSpPr txBox="1"/>
+          <p:nvPr/>
+        </p:nvSpPr>
+        <p:spPr>
+          <a:xfrm>
+            <a:off x="4527804" y="3091093"/>
+            <a:ext cx="6093822" cy="2308324"/>
+          </a:xfrm>
+          <a:prstGeom prst="rect">
+            <a:avLst/>
+          </a:prstGeom>
+          <a:noFill/>
+        </p:spPr>
+        <p:txBody>
+          <a:bodyPr wrap="square">
+            <a:spAutoFit/>
+          </a:bodyPr>
+          <a:lstStyle/>
+          <a:p>
+            <a:r>
+              <a:rPr lang="en-US" dirty="0"/>
+              <a:t> </a:t>
+            </a:r>
+          </a:p>
+          <a:p>
+            <a:endParaRPr lang="en-US" dirty="0"/>
+          </a:p>
+          <a:p>
+            <a:r>
+              <a:rPr lang="en-US" dirty="0"/>
+              <a:t>Continuous Delivery: Continuous Delivery is the process of deploying an application into production servers manually when it has completed testing and the build stages. Here, we’ll automate the continuous integration processes, however, manual involvement is still required for deploying it to the production environment.</a:t>
+            </a:r>
+            <a:endParaRPr lang="ru-UA" dirty="0"/>
+          </a:p>
+        </p:txBody>
+      </p:sp>
+      <p:sp>
+        <p:nvSpPr>
+          <p:cNvPr id="4" name="Footer Placeholder 3">
+            <a:extLst>
+              <a:ext uri="{FF2B5EF4-FFF2-40B4-BE49-F238E27FC236}">
+                <a16:creationId xmlns:a16="http://schemas.microsoft.com/office/drawing/2014/main" id="{281310E9-CD52-C391-4AED-753E85672589}"/>
+              </a:ext>
+            </a:extLst>
+          </p:cNvPr>
+          <p:cNvSpPr>
+            <a:spLocks noGrp="1"/>
+          </p:cNvSpPr>
+          <p:nvPr>
+            <p:ph type="ftr" sz="quarter" idx="11"/>
+          </p:nvPr>
+        </p:nvSpPr>
+        <p:spPr/>
+        <p:txBody>
+          <a:bodyPr/>
+          <a:lstStyle/>
+          <a:p>
+            <a:r>
+              <a:rPr lang="es-ES"/>
+              <a:t>Step 1 - Model - ver. 1</a:t>
+            </a:r>
+            <a:endParaRPr lang="ru-UA"/>
+          </a:p>
+        </p:txBody>
+      </p:sp>
+    </p:spTree>
+    <p:extLst>
+      <p:ext uri="{BB962C8B-B14F-4D97-AF65-F5344CB8AC3E}">
+        <p14:creationId xmlns:p14="http://schemas.microsoft.com/office/powerpoint/2010/main" val="1454947672"/>
+      </p:ext>
+    </p:extLst>
+  </p:cSld>
+  <p:clrMapOvr>
+    <a:masterClrMapping/>
+  </p:clrMapOvr>
+</p:sld>
+</file>
+
+<file path=ppt/slides/slide12.xml><?xml version="1.0" encoding="utf-8"?>
+<p:sld xmlns:a="http://schemas.openxmlformats.org/drawingml/2006/main" xmlns:r="http://schemas.openxmlformats.org/officeDocument/2006/relationships" xmlns:p="http://schemas.openxmlformats.org/presentationml/2006/main">
+  <p:cSld>
+    <p:bg>
+      <p:bgPr>
+        <a:solidFill>
+          <a:schemeClr val="bg1"/>
+        </a:solidFill>
+        <a:effectLst/>
+      </p:bgPr>
+    </p:bg>
+    <p:spTree>
+      <p:nvGrpSpPr>
+        <p:cNvPr id="1" name=""/>
+        <p:cNvGrpSpPr/>
+        <p:nvPr/>
+      </p:nvGrpSpPr>
+      <p:grpSpPr>
+        <a:xfrm>
+          <a:off x="0" y="0"/>
+          <a:ext cx="0" cy="0"/>
+          <a:chOff x="0" y="0"/>
+          <a:chExt cx="0" cy="0"/>
+        </a:xfrm>
+      </p:grpSpPr>
+      <p:sp>
+        <p:nvSpPr>
+          <p:cNvPr id="9" name="Down Arrow 7">
+            <a:extLst>
+              <a:ext uri="{FF2B5EF4-FFF2-40B4-BE49-F238E27FC236}">
+                <a16:creationId xmlns:a16="http://schemas.microsoft.com/office/drawing/2014/main" id="{D4771268-CB57-404A-9271-370EB28F6090}"/>
+              </a:ext>
+              <a:ext uri="{C183D7F6-B498-43B3-948B-1728B52AA6E4}">
+                <adec:decorative xmlns:adec="http://schemas.microsoft.com/office/drawing/2017/decorative" val="1"/>
+              </a:ext>
+            </a:extLst>
+          </p:cNvPr>
+          <p:cNvSpPr>
+            <a:spLocks noGrp="1" noRot="1" noChangeAspect="1" noMove="1" noResize="1" noEditPoints="1" noAdjustHandles="1" noChangeArrowheads="1" noChangeShapeType="1" noTextEdit="1"/>
+          </p:cNvSpPr>
+          <p:nvPr>
+            <p:extLst>
+              <p:ext uri="{386F3935-93C4-4BCD-93E2-E3B085C9AB24}">
+                <p16:designElem xmlns:p16="http://schemas.microsoft.com/office/powerpoint/2015/main" val="1"/>
+              </p:ext>
+            </p:extLst>
+          </p:nvPr>
+        </p:nvSpPr>
+        <p:spPr>
+          <a:xfrm rot="16200000">
+            <a:off x="800100" y="1491343"/>
+            <a:ext cx="3333749" cy="3499103"/>
+          </a:xfrm>
+          <a:prstGeom prst="downArrow">
+            <a:avLst>
+              <a:gd name="adj1" fmla="val 100000"/>
+              <a:gd name="adj2" fmla="val 15788"/>
+            </a:avLst>
+          </a:prstGeom>
+          <a:solidFill>
+            <a:srgbClr val="404040"/>
+          </a:solidFill>
+          <a:ln w="53975">
+            <a:noFill/>
+          </a:ln>
+        </p:spPr>
+        <p:style>
+          <a:lnRef idx="2">
+            <a:schemeClr val="accent1">
+              <a:shade val="50000"/>
+            </a:schemeClr>
+          </a:lnRef>
+          <a:fillRef idx="1">
+            <a:schemeClr val="accent1"/>
+          </a:fillRef>
+          <a:effectRef idx="0">
+            <a:schemeClr val="accent1"/>
+          </a:effectRef>
+          <a:fontRef idx="minor">
+            <a:schemeClr val="lt1"/>
+          </a:fontRef>
+        </p:style>
+        <p:txBody>
+          <a:bodyPr rtlCol="0" anchor="ctr"/>
+          <a:lstStyle/>
+          <a:p>
+            <a:pPr algn="ctr"/>
+            <a:endParaRPr lang="en-US"/>
+          </a:p>
+        </p:txBody>
+      </p:sp>
+      <p:sp>
+        <p:nvSpPr>
+          <p:cNvPr id="2" name="Title 1">
+            <a:extLst>
+              <a:ext uri="{FF2B5EF4-FFF2-40B4-BE49-F238E27FC236}">
+                <a16:creationId xmlns:a16="http://schemas.microsoft.com/office/drawing/2014/main" id="{53C5D828-9666-E312-B574-9FE965A7D6BE}"/>
+              </a:ext>
+            </a:extLst>
+          </p:cNvPr>
+          <p:cNvSpPr>
+            <a:spLocks noGrp="1"/>
+          </p:cNvSpPr>
+          <p:nvPr>
+            <p:ph type="title"/>
+          </p:nvPr>
+        </p:nvSpPr>
+        <p:spPr>
+          <a:xfrm>
+            <a:off x="1028700" y="1967266"/>
+            <a:ext cx="2628900" cy="2547257"/>
+          </a:xfrm>
+          <a:noFill/>
+        </p:spPr>
+        <p:txBody>
+          <a:bodyPr vert="horz" lIns="91440" tIns="45720" rIns="91440" bIns="45720" rtlCol="0" anchor="ctr">
+            <a:normAutofit/>
+          </a:bodyPr>
+          <a:lstStyle/>
+          <a:p>
+            <a:pPr algn="ctr"/>
+            <a:r>
+              <a:rPr lang="en-US" sz="3600" kern="1200" dirty="0">
+                <a:solidFill>
+                  <a:srgbClr val="FFFFFF"/>
+                </a:solidFill>
+                <a:latin typeface="+mj-lt"/>
+                <a:ea typeface="+mj-ea"/>
+                <a:cs typeface="+mj-cs"/>
+              </a:rPr>
+              <a:t>Continuous Monitoring</a:t>
+            </a:r>
+          </a:p>
+        </p:txBody>
+      </p:sp>
+      <p:sp>
+        <p:nvSpPr>
+          <p:cNvPr id="5" name="TextBox 4">
+            <a:extLst>
+              <a:ext uri="{FF2B5EF4-FFF2-40B4-BE49-F238E27FC236}">
+                <a16:creationId xmlns:a16="http://schemas.microsoft.com/office/drawing/2014/main" id="{02856B1C-9D37-7B11-BA48-D0E2FC265F83}"/>
+              </a:ext>
+            </a:extLst>
+          </p:cNvPr>
+          <p:cNvSpPr txBox="1"/>
+          <p:nvPr/>
+        </p:nvSpPr>
+        <p:spPr>
+          <a:xfrm>
+            <a:off x="5069478" y="1929200"/>
+            <a:ext cx="6093822" cy="2585323"/>
+          </a:xfrm>
+          <a:prstGeom prst="rect">
+            <a:avLst/>
+          </a:prstGeom>
+          <a:noFill/>
+        </p:spPr>
+        <p:txBody>
+          <a:bodyPr wrap="square">
+            <a:spAutoFit/>
+          </a:bodyPr>
+          <a:lstStyle/>
+          <a:p>
+            <a:r>
+              <a:rPr lang="en-US" dirty="0"/>
+              <a:t>DevOps lifecycle is incomplete if there was no Continuous Monitoring. Continuous Monitoring can be achieved with the help of Prometheus and Grafana we can continuously monitor and can get notified before anything goes wrong with the help of Prometheus we can gather many performance measures, including CPU and memory utilization, network traffic, application response times, error rates, and others. Grafana makes it possible to visually represent and keep track of data from time series, such as CPU and memory utilization.</a:t>
+            </a:r>
+            <a:endParaRPr lang="ru-UA" dirty="0"/>
+          </a:p>
+        </p:txBody>
+      </p:sp>
+      <p:sp>
+        <p:nvSpPr>
+          <p:cNvPr id="3" name="Footer Placeholder 2">
+            <a:extLst>
+              <a:ext uri="{FF2B5EF4-FFF2-40B4-BE49-F238E27FC236}">
+                <a16:creationId xmlns:a16="http://schemas.microsoft.com/office/drawing/2014/main" id="{A7A44B56-F122-0FA5-10D2-A6371398ADDF}"/>
+              </a:ext>
+            </a:extLst>
+          </p:cNvPr>
+          <p:cNvSpPr>
+            <a:spLocks noGrp="1"/>
+          </p:cNvSpPr>
+          <p:nvPr>
+            <p:ph type="ftr" sz="quarter" idx="11"/>
+          </p:nvPr>
+        </p:nvSpPr>
+        <p:spPr/>
+        <p:txBody>
+          <a:bodyPr/>
+          <a:lstStyle/>
+          <a:p>
+            <a:r>
+              <a:rPr lang="es-ES"/>
+              <a:t>Step 1 - Model - ver. 1</a:t>
+            </a:r>
+            <a:endParaRPr lang="ru-UA"/>
+          </a:p>
+        </p:txBody>
+      </p:sp>
+    </p:spTree>
+    <p:extLst>
+      <p:ext uri="{BB962C8B-B14F-4D97-AF65-F5344CB8AC3E}">
+        <p14:creationId xmlns:p14="http://schemas.microsoft.com/office/powerpoint/2010/main" val="361920255"/>
+      </p:ext>
+    </p:extLst>
+  </p:cSld>
+  <p:clrMapOvr>
+    <a:masterClrMapping/>
+  </p:clrMapOvr>
+</p:sld>
+</file>
+
+<file path=ppt/slides/slide13.xml><?xml version="1.0" encoding="utf-8"?>
+<p:sld xmlns:a="http://schemas.openxmlformats.org/drawingml/2006/main" xmlns:r="http://schemas.openxmlformats.org/officeDocument/2006/relationships" xmlns:p="http://schemas.openxmlformats.org/presentationml/2006/main">
+  <p:cSld>
+    <p:bg>
+      <p:bgPr>
+        <a:solidFill>
+          <a:schemeClr val="bg1"/>
+        </a:solidFill>
+        <a:effectLst/>
+      </p:bgPr>
+    </p:bg>
+    <p:spTree>
+      <p:nvGrpSpPr>
+        <p:cNvPr id="1" name=""/>
+        <p:cNvGrpSpPr/>
+        <p:nvPr/>
+      </p:nvGrpSpPr>
+      <p:grpSpPr>
+        <a:xfrm>
+          <a:off x="0" y="0"/>
+          <a:ext cx="0" cy="0"/>
+          <a:chOff x="0" y="0"/>
+          <a:chExt cx="0" cy="0"/>
+        </a:xfrm>
+      </p:grpSpPr>
+      <p:sp>
+        <p:nvSpPr>
+          <p:cNvPr id="9" name="Down Arrow 7">
+            <a:extLst>
+              <a:ext uri="{FF2B5EF4-FFF2-40B4-BE49-F238E27FC236}">
+                <a16:creationId xmlns:a16="http://schemas.microsoft.com/office/drawing/2014/main" id="{D4771268-CB57-404A-9271-370EB28F6090}"/>
+              </a:ext>
+              <a:ext uri="{C183D7F6-B498-43B3-948B-1728B52AA6E4}">
+                <adec:decorative xmlns:adec="http://schemas.microsoft.com/office/drawing/2017/decorative" val="1"/>
+              </a:ext>
+            </a:extLst>
+          </p:cNvPr>
+          <p:cNvSpPr>
+            <a:spLocks noGrp="1" noRot="1" noChangeAspect="1" noMove="1" noResize="1" noEditPoints="1" noAdjustHandles="1" noChangeArrowheads="1" noChangeShapeType="1" noTextEdit="1"/>
+          </p:cNvSpPr>
+          <p:nvPr>
+            <p:extLst>
+              <p:ext uri="{386F3935-93C4-4BCD-93E2-E3B085C9AB24}">
+                <p16:designElem xmlns:p16="http://schemas.microsoft.com/office/powerpoint/2015/main" val="1"/>
+              </p:ext>
+            </p:extLst>
+          </p:nvPr>
+        </p:nvSpPr>
+        <p:spPr>
+          <a:xfrm rot="16200000">
+            <a:off x="800100" y="1491343"/>
+            <a:ext cx="3333749" cy="3499103"/>
+          </a:xfrm>
+          <a:prstGeom prst="downArrow">
+            <a:avLst>
+              <a:gd name="adj1" fmla="val 100000"/>
+              <a:gd name="adj2" fmla="val 15788"/>
+            </a:avLst>
+          </a:prstGeom>
+          <a:solidFill>
+            <a:srgbClr val="404040"/>
+          </a:solidFill>
+          <a:ln w="53975">
+            <a:noFill/>
+          </a:ln>
+        </p:spPr>
+        <p:style>
+          <a:lnRef idx="2">
+            <a:schemeClr val="accent1">
+              <a:shade val="50000"/>
+            </a:schemeClr>
+          </a:lnRef>
+          <a:fillRef idx="1">
+            <a:schemeClr val="accent1"/>
+          </a:fillRef>
+          <a:effectRef idx="0">
+            <a:schemeClr val="accent1"/>
+          </a:effectRef>
+          <a:fontRef idx="minor">
+            <a:schemeClr val="lt1"/>
+          </a:fontRef>
+        </p:style>
+        <p:txBody>
+          <a:bodyPr rtlCol="0" anchor="ctr"/>
+          <a:lstStyle/>
+          <a:p>
+            <a:pPr algn="ctr"/>
+            <a:endParaRPr lang="en-US"/>
+          </a:p>
+        </p:txBody>
+      </p:sp>
+      <p:sp>
+        <p:nvSpPr>
+          <p:cNvPr id="2" name="Title 1">
+            <a:extLst>
+              <a:ext uri="{FF2B5EF4-FFF2-40B4-BE49-F238E27FC236}">
+                <a16:creationId xmlns:a16="http://schemas.microsoft.com/office/drawing/2014/main" id="{53C5D828-9666-E312-B574-9FE965A7D6BE}"/>
+              </a:ext>
+            </a:extLst>
+          </p:cNvPr>
+          <p:cNvSpPr>
+            <a:spLocks noGrp="1"/>
+          </p:cNvSpPr>
+          <p:nvPr>
+            <p:ph type="title"/>
+          </p:nvPr>
+        </p:nvSpPr>
+        <p:spPr>
+          <a:xfrm>
+            <a:off x="1028700" y="1967266"/>
+            <a:ext cx="2628900" cy="2547257"/>
+          </a:xfrm>
+          <a:noFill/>
+        </p:spPr>
+        <p:txBody>
+          <a:bodyPr vert="horz" lIns="91440" tIns="45720" rIns="91440" bIns="45720" rtlCol="0" anchor="ctr">
+            <a:normAutofit/>
+          </a:bodyPr>
+          <a:lstStyle/>
+          <a:p>
+            <a:pPr algn="ctr"/>
+            <a:r>
+              <a:rPr lang="en-US" sz="3600" kern="1200" dirty="0">
+                <a:solidFill>
+                  <a:srgbClr val="FFFFFF"/>
+                </a:solidFill>
+                <a:latin typeface="+mj-lt"/>
+                <a:ea typeface="+mj-ea"/>
+                <a:cs typeface="+mj-cs"/>
+              </a:rPr>
               <a:t>Continuous Feedback</a:t>
             </a:r>
           </a:p>
@@ -5670,7 +6219,7 @@
 </p:sld>
 </file>
 
-<file path=ppt/slides/slide12.xml><?xml version="1.0" encoding="utf-8"?>
+<file path=ppt/slides/slide14.xml><?xml version="1.0" encoding="utf-8"?>
 <p:sld xmlns:a="http://schemas.openxmlformats.org/drawingml/2006/main" xmlns:r="http://schemas.openxmlformats.org/officeDocument/2006/relationships" xmlns:p="http://schemas.openxmlformats.org/presentationml/2006/main">
   <p:cSld>
     <p:bg>
@@ -6005,7 +6554,7 @@
           <a:p>
             <a:pPr algn="ctr"/>
             <a:r>
-              <a:rPr lang="en-US" sz="3600" kern="1200">
+              <a:rPr lang="en-US" sz="3600" kern="1200" dirty="0">
                 <a:solidFill>
                   <a:srgbClr val="FFFFFF"/>
                 </a:solidFill>
@@ -6013,62 +6562,67 @@
                 <a:ea typeface="+mj-ea"/>
                 <a:cs typeface="+mj-cs"/>
               </a:rPr>
-              <a:t>What’s DevOps?</a:t>
-            </a:r>
-          </a:p>
-        </p:txBody>
-      </p:sp>
-      <p:sp>
-        <p:nvSpPr>
-          <p:cNvPr id="5" name="TextBox 4">
-            <a:extLst>
-              <a:ext uri="{FF2B5EF4-FFF2-40B4-BE49-F238E27FC236}">
-                <a16:creationId xmlns:a16="http://schemas.microsoft.com/office/drawing/2014/main" id="{7F019A57-CA59-E832-88C6-3CC1DBB2CB31}"/>
-              </a:ext>
-            </a:extLst>
-          </p:cNvPr>
-          <p:cNvSpPr txBox="1"/>
-          <p:nvPr/>
-        </p:nvSpPr>
-        <p:spPr>
-          <a:xfrm>
-            <a:off x="4927476" y="571327"/>
-            <a:ext cx="6096000" cy="5909310"/>
-          </a:xfrm>
-          <a:prstGeom prst="rect">
-            <a:avLst/>
-          </a:prstGeom>
-          <a:noFill/>
-        </p:spPr>
-        <p:txBody>
-          <a:bodyPr wrap="square">
-            <a:spAutoFit/>
-          </a:bodyPr>
-          <a:lstStyle/>
-          <a:p>
-            <a:r>
-              <a:rPr lang="en-US" dirty="0"/>
-              <a:t>DevOps is a software development approach emphasizing collaboration, automation, and continuous delivery to provide high-quality products to customers quickly and efficiently. DevOps breaks down silos between development and operations teams to enable seamless communication, faster time-to-market, and improved customer satisfaction. It allows a team to handle the complete application lifecycle, from development to testing, operations, and deployment. It shows cooperation between Development and Operations groups to deploy code to production quickly in an automated and repeatable manner.</a:t>
-            </a:r>
-          </a:p>
-          <a:p>
-            <a:endParaRPr lang="en-US" dirty="0"/>
-          </a:p>
-          <a:p>
-            <a:r>
-              <a:rPr lang="en-US" dirty="0"/>
-              <a:t>Every phase of the software development lifecycle, including planning, coding, testing, deployment, and monitoring, is heavily automated in DevOps. This improves productivity, ensures consistency, and lowers error rates in the development process. A culture of continuous improvement is also promoted by DevOps, where feedback loops are incorporated into the procedure to facilitate quicker iteration and better decision-making. Organizations can increase their agility, lower costs, and speed up innovation by adopting DevOps.</a:t>
-            </a:r>
-            <a:endParaRPr lang="ru-UA" dirty="0"/>
+              <a:t>Software Development Life Cycle</a:t>
+            </a:r>
+            <a:br>
+              <a:rPr lang="en-US" sz="3600" kern="1200" dirty="0">
+                <a:solidFill>
+                  <a:srgbClr val="FFFFFF"/>
+                </a:solidFill>
+                <a:latin typeface="+mj-lt"/>
+                <a:ea typeface="+mj-ea"/>
+                <a:cs typeface="+mj-cs"/>
+              </a:rPr>
+            </a:br>
+            <a:r>
+              <a:rPr lang="en-US" sz="3600" kern="1200" dirty="0">
+                <a:solidFill>
+                  <a:srgbClr val="FFFFFF"/>
+                </a:solidFill>
+                <a:latin typeface="+mj-lt"/>
+                <a:ea typeface="+mj-ea"/>
+                <a:cs typeface="+mj-cs"/>
+              </a:rPr>
+              <a:t>(SDLC)</a:t>
+            </a:r>
+          </a:p>
+        </p:txBody>
+      </p:sp>
+      <p:sp>
+        <p:nvSpPr>
+          <p:cNvPr id="4" name="Footer Placeholder 3">
+            <a:extLst>
+              <a:ext uri="{FF2B5EF4-FFF2-40B4-BE49-F238E27FC236}">
+                <a16:creationId xmlns:a16="http://schemas.microsoft.com/office/drawing/2014/main" id="{DBCAB844-F397-87BE-9913-550CD24346E5}"/>
+              </a:ext>
+            </a:extLst>
+          </p:cNvPr>
+          <p:cNvSpPr>
+            <a:spLocks noGrp="1"/>
+          </p:cNvSpPr>
+          <p:nvPr>
+            <p:ph type="ftr" sz="quarter" idx="11"/>
+          </p:nvPr>
+        </p:nvSpPr>
+        <p:spPr/>
+        <p:txBody>
+          <a:bodyPr/>
+          <a:lstStyle/>
+          <a:p>
+            <a:r>
+              <a:rPr lang="es-ES"/>
+              <a:t>Step 1 - Model - ver. 1</a:t>
+            </a:r>
+            <a:endParaRPr lang="ru-UA"/>
           </a:p>
         </p:txBody>
       </p:sp>
       <p:pic>
         <p:nvPicPr>
-          <p:cNvPr id="3" name="Picture 2">
-            <a:extLst>
-              <a:ext uri="{FF2B5EF4-FFF2-40B4-BE49-F238E27FC236}">
-                <a16:creationId xmlns:a16="http://schemas.microsoft.com/office/drawing/2014/main" id="{4E689865-968D-3D93-994B-3AAC3051378B}"/>
+          <p:cNvPr id="6" name="Рисунок 5">
+            <a:extLst>
+              <a:ext uri="{FF2B5EF4-FFF2-40B4-BE49-F238E27FC236}">
+                <a16:creationId xmlns:a16="http://schemas.microsoft.com/office/drawing/2014/main" id="{847BA4E5-8D11-4AA6-A85D-0615E5296FD1}"/>
               </a:ext>
             </a:extLst>
           </p:cNvPr>
@@ -6085,8 +6639,8 @@
         </p:blipFill>
         <p:spPr>
           <a:xfrm>
-            <a:off x="1168524" y="5162469"/>
-            <a:ext cx="2068989" cy="1179621"/>
+            <a:off x="933089" y="4945022"/>
+            <a:ext cx="2820122" cy="1411328"/>
           </a:xfrm>
           <a:prstGeom prst="rect">
             <a:avLst/>
@@ -6095,30 +6649,37 @@
       </p:pic>
       <p:sp>
         <p:nvSpPr>
-          <p:cNvPr id="4" name="Footer Placeholder 3">
-            <a:extLst>
-              <a:ext uri="{FF2B5EF4-FFF2-40B4-BE49-F238E27FC236}">
-                <a16:creationId xmlns:a16="http://schemas.microsoft.com/office/drawing/2014/main" id="{DBCAB844-F397-87BE-9913-550CD24346E5}"/>
-              </a:ext>
-            </a:extLst>
-          </p:cNvPr>
-          <p:cNvSpPr>
-            <a:spLocks noGrp="1"/>
-          </p:cNvSpPr>
-          <p:nvPr>
-            <p:ph type="ftr" sz="quarter" idx="11"/>
-          </p:nvPr>
-        </p:nvSpPr>
-        <p:spPr/>
-        <p:txBody>
-          <a:bodyPr/>
-          <a:lstStyle/>
-          <a:p>
-            <a:r>
-              <a:rPr lang="es-ES"/>
-              <a:t>Step 1 - Model - ver. 1</a:t>
-            </a:r>
-            <a:endParaRPr lang="ru-UA"/>
+          <p:cNvPr id="9" name="TextBox 8">
+            <a:extLst>
+              <a:ext uri="{FF2B5EF4-FFF2-40B4-BE49-F238E27FC236}">
+                <a16:creationId xmlns:a16="http://schemas.microsoft.com/office/drawing/2014/main" id="{6B32C407-E0C4-4E1B-A0F7-65AB3B2D946F}"/>
+              </a:ext>
+            </a:extLst>
+          </p:cNvPr>
+          <p:cNvSpPr txBox="1"/>
+          <p:nvPr/>
+        </p:nvSpPr>
+        <p:spPr>
+          <a:xfrm>
+            <a:off x="4926403" y="2363731"/>
+            <a:ext cx="6098146" cy="1754326"/>
+          </a:xfrm>
+          <a:prstGeom prst="rect">
+            <a:avLst/>
+          </a:prstGeom>
+          <a:noFill/>
+        </p:spPr>
+        <p:txBody>
+          <a:bodyPr wrap="square">
+            <a:spAutoFit/>
+          </a:bodyPr>
+          <a:lstStyle/>
+          <a:p>
+            <a:r>
+              <a:rPr lang="en-US" dirty="0"/>
+              <a:t>SDLC is a process followed for software building within a software organization. SDLC consists of a precise plan that describes how to develop, maintain, replace, and enhance specific software. The life cycle defines a method for improving the quality of software and the all-around development process.</a:t>
+            </a:r>
+            <a:endParaRPr lang="ru-UA" dirty="0"/>
           </a:p>
         </p:txBody>
       </p:sp>
@@ -6257,7 +6818,7 @@
           <a:p>
             <a:pPr algn="ctr"/>
             <a:r>
-              <a:rPr lang="en-US" sz="3600" kern="1200">
+              <a:rPr lang="en-US" sz="3600" kern="1200" dirty="0">
                 <a:solidFill>
                   <a:srgbClr val="FFFFFF"/>
                 </a:solidFill>
@@ -6265,17 +6826,67 @@
                 <a:ea typeface="+mj-ea"/>
                 <a:cs typeface="+mj-cs"/>
               </a:rPr>
-              <a:t>What’s DevOps?</a:t>
-            </a:r>
+              <a:t>Stages of </a:t>
+            </a:r>
+            <a:br>
+              <a:rPr lang="en-US" sz="3600" kern="1200" dirty="0">
+                <a:solidFill>
+                  <a:srgbClr val="FFFFFF"/>
+                </a:solidFill>
+                <a:latin typeface="+mj-lt"/>
+                <a:ea typeface="+mj-ea"/>
+                <a:cs typeface="+mj-cs"/>
+              </a:rPr>
+            </a:br>
+            <a:r>
+              <a:rPr lang="en-US" sz="3600" kern="1200" dirty="0">
+                <a:solidFill>
+                  <a:srgbClr val="FFFFFF"/>
+                </a:solidFill>
+                <a:latin typeface="+mj-lt"/>
+                <a:ea typeface="+mj-ea"/>
+                <a:cs typeface="+mj-cs"/>
+              </a:rPr>
+              <a:t>SDLC</a:t>
+            </a:r>
+          </a:p>
+        </p:txBody>
+      </p:sp>
+      <p:sp>
+        <p:nvSpPr>
+          <p:cNvPr id="4" name="Footer Placeholder 3">
+            <a:extLst>
+              <a:ext uri="{FF2B5EF4-FFF2-40B4-BE49-F238E27FC236}">
+                <a16:creationId xmlns:a16="http://schemas.microsoft.com/office/drawing/2014/main" id="{DBCAB844-F397-87BE-9913-550CD24346E5}"/>
+              </a:ext>
+            </a:extLst>
+          </p:cNvPr>
+          <p:cNvSpPr>
+            <a:spLocks noGrp="1"/>
+          </p:cNvSpPr>
+          <p:nvPr>
+            <p:ph type="ftr" sz="quarter" idx="11"/>
+          </p:nvPr>
+        </p:nvSpPr>
+        <p:spPr/>
+        <p:txBody>
+          <a:bodyPr/>
+          <a:lstStyle/>
+          <a:p>
+            <a:r>
+              <a:rPr lang="es-ES"/>
+              <a:t>Step 1 - Model - ver. 1</a:t>
+            </a:r>
+            <a:endParaRPr lang="ru-UA"/>
           </a:p>
         </p:txBody>
       </p:sp>
       <p:pic>
         <p:nvPicPr>
-          <p:cNvPr id="3" name="Picture 2">
-            <a:extLst>
-              <a:ext uri="{FF2B5EF4-FFF2-40B4-BE49-F238E27FC236}">
-                <a16:creationId xmlns:a16="http://schemas.microsoft.com/office/drawing/2014/main" id="{73192EE5-F292-E8DF-78BB-C480918593D9}"/>
+          <p:cNvPr id="7" name="Рисунок 6">
+            <a:extLst>
+              <a:ext uri="{FF2B5EF4-FFF2-40B4-BE49-F238E27FC236}">
+                <a16:creationId xmlns:a16="http://schemas.microsoft.com/office/drawing/2014/main" id="{539D50AA-7E8A-4C02-9F58-B4904B86CB33}"/>
               </a:ext>
             </a:extLst>
           </p:cNvPr>
@@ -6292,8 +6903,8 @@
         </p:blipFill>
         <p:spPr>
           <a:xfrm>
-            <a:off x="1163766" y="5259532"/>
-            <a:ext cx="2021988" cy="1165059"/>
+            <a:off x="1336876" y="5171904"/>
+            <a:ext cx="2012548" cy="920311"/>
           </a:xfrm>
           <a:prstGeom prst="rect">
             <a:avLst/>
@@ -6302,10 +6913,10 @@
       </p:pic>
       <p:sp>
         <p:nvSpPr>
-          <p:cNvPr id="5" name="TextBox 4">
-            <a:extLst>
-              <a:ext uri="{FF2B5EF4-FFF2-40B4-BE49-F238E27FC236}">
-                <a16:creationId xmlns:a16="http://schemas.microsoft.com/office/drawing/2014/main" id="{3101D806-403A-F079-818A-1207B8442687}"/>
+          <p:cNvPr id="11" name="TextBox 10">
+            <a:extLst>
+              <a:ext uri="{FF2B5EF4-FFF2-40B4-BE49-F238E27FC236}">
+                <a16:creationId xmlns:a16="http://schemas.microsoft.com/office/drawing/2014/main" id="{AC4E163D-1EAA-4C30-9757-001E6A8F88CC}"/>
               </a:ext>
             </a:extLst>
           </p:cNvPr>
@@ -6314,8 +6925,8 @@
         </p:nvSpPr>
         <p:spPr>
           <a:xfrm>
-            <a:off x="4627417" y="377991"/>
-            <a:ext cx="7232073" cy="5909310"/>
+            <a:off x="4774842" y="2363731"/>
+            <a:ext cx="6098146" cy="1754326"/>
           </a:xfrm>
           <a:prstGeom prst="rect">
             <a:avLst/>
@@ -6330,72 +6941,16 @@
           <a:p>
             <a:r>
               <a:rPr lang="en-US" dirty="0"/>
-              <a:t>Why DevOps?</a:t>
-            </a:r>
-          </a:p>
-          <a:p>
-            <a:endParaRPr lang="en-US" dirty="0"/>
-          </a:p>
-          <a:p>
-            <a:r>
-              <a:rPr lang="en-US" dirty="0"/>
-              <a:t>The goal of DevOps is to increase an organization’s speed when it comes to delivering applications and services. Many companies have successfully implemented DevOps to enhance their user experience including Amazon, Netflix, etc.</a:t>
-            </a:r>
-          </a:p>
-          <a:p>
-            <a:endParaRPr lang="en-US" dirty="0"/>
-          </a:p>
-          <a:p>
-            <a:r>
-              <a:rPr lang="en-US" dirty="0"/>
-              <a:t>Facebook’s mobile app which is updated every two weeks effectively tells users you can have what you want and you can have it. Now ever wondered how Facebook was able to do social smoothing? It’s the DevOps philosophy that helps Facebook ensure that apps aren’t outdated and that users get the best experience on Facebook. Facebook accomplishes this true code ownership model that makes its developers responsible that includes testing and supporting through production and delivery for each kernel of code. They write and update their true policies like this but Facebook has developed a DevOps culture and has successfully accelerated its development lifecycle.</a:t>
-            </a:r>
-          </a:p>
-          <a:p>
-            <a:endParaRPr lang="en-US" dirty="0"/>
-          </a:p>
-          <a:p>
-            <a:r>
-              <a:rPr lang="en-US" dirty="0"/>
-              <a:t>Industries have started to gear up for digital transformation by shifting their means to weeks and months instead of years while maintaining high quality as a result.  The solution to all this is- DevOps</a:t>
+              <a:t>SDLC specifies the task(s) to be performed at various stages by a software engineer or developer. It ensures that the end product is able to meet the customer’s expectations and fits within the overall budget. Hence, it’s vital for a software developer to have prior knowledge of this software development process. </a:t>
             </a:r>
             <a:endParaRPr lang="ru-UA" dirty="0"/>
-          </a:p>
-        </p:txBody>
-      </p:sp>
-      <p:sp>
-        <p:nvSpPr>
-          <p:cNvPr id="4" name="Footer Placeholder 3">
-            <a:extLst>
-              <a:ext uri="{FF2B5EF4-FFF2-40B4-BE49-F238E27FC236}">
-                <a16:creationId xmlns:a16="http://schemas.microsoft.com/office/drawing/2014/main" id="{949B1264-5D03-D1CE-2CEC-FDEDCDDF5051}"/>
-              </a:ext>
-            </a:extLst>
-          </p:cNvPr>
-          <p:cNvSpPr>
-            <a:spLocks noGrp="1"/>
-          </p:cNvSpPr>
-          <p:nvPr>
-            <p:ph type="ftr" sz="quarter" idx="11"/>
-          </p:nvPr>
-        </p:nvSpPr>
-        <p:spPr/>
-        <p:txBody>
-          <a:bodyPr/>
-          <a:lstStyle/>
-          <a:p>
-            <a:r>
-              <a:rPr lang="es-ES"/>
-              <a:t>Step 1 - Model - ver. 1</a:t>
-            </a:r>
-            <a:endParaRPr lang="ru-UA"/>
           </a:p>
         </p:txBody>
       </p:sp>
     </p:spTree>
     <p:extLst>
       <p:ext uri="{BB962C8B-B14F-4D97-AF65-F5344CB8AC3E}">
-        <p14:creationId xmlns:p14="http://schemas.microsoft.com/office/powerpoint/2010/main" val="3417182101"/>
+        <p14:creationId xmlns:p14="http://schemas.microsoft.com/office/powerpoint/2010/main" val="2124347573"/>
       </p:ext>
     </p:extLst>
   </p:cSld>
@@ -6432,7 +6987,7 @@
       </p:grpSpPr>
       <p:sp>
         <p:nvSpPr>
-          <p:cNvPr id="24" name="Down Arrow 7">
+          <p:cNvPr id="10" name="Down Arrow 7">
             <a:extLst>
               <a:ext uri="{FF2B5EF4-FFF2-40B4-BE49-F238E27FC236}">
                 <a16:creationId xmlns:a16="http://schemas.microsoft.com/office/drawing/2014/main" id="{D4771268-CB57-404A-9271-370EB28F6090}"/>
@@ -6501,7 +7056,7 @@
           <p:cNvPr id="2" name="Title 1">
             <a:extLst>
               <a:ext uri="{FF2B5EF4-FFF2-40B4-BE49-F238E27FC236}">
-                <a16:creationId xmlns:a16="http://schemas.microsoft.com/office/drawing/2014/main" id="{53C5D828-9666-E312-B574-9FE965A7D6BE}"/>
+                <a16:creationId xmlns:a16="http://schemas.microsoft.com/office/drawing/2014/main" id="{DB2FBD6F-5487-CF83-1B78-61E52C9B601E}"/>
               </a:ext>
             </a:extLst>
           </p:cNvPr>
@@ -6527,7 +7082,7 @@
           <a:p>
             <a:pPr algn="ctr"/>
             <a:r>
-              <a:rPr lang="en-US" sz="3600" kern="1200" dirty="0">
+              <a:rPr lang="en-US" sz="3600" kern="1200">
                 <a:solidFill>
                   <a:srgbClr val="FFFFFF"/>
                 </a:solidFill>
@@ -6535,29 +7090,53 @@
                 <a:ea typeface="+mj-ea"/>
                 <a:cs typeface="+mj-cs"/>
               </a:rPr>
-              <a:t>DevOps</a:t>
-            </a:r>
-            <a:br>
-              <a:rPr lang="en-US" sz="3600" kern="1200" dirty="0">
-                <a:solidFill>
-                  <a:srgbClr val="FFFFFF"/>
-                </a:solidFill>
-                <a:latin typeface="+mj-lt"/>
-                <a:ea typeface="+mj-ea"/>
-                <a:cs typeface="+mj-cs"/>
-              </a:rPr>
-            </a:br>
-            <a:r>
-              <a:rPr lang="en-US" sz="3600" kern="1200" dirty="0">
-                <a:solidFill>
-                  <a:srgbClr val="FFFFFF"/>
-                </a:solidFill>
-                <a:latin typeface="+mj-lt"/>
-                <a:ea typeface="+mj-ea"/>
-                <a:cs typeface="+mj-cs"/>
-              </a:rPr>
-              <a:t>Lifecycle</a:t>
-            </a:r>
+              <a:t>What’s DevOps?</a:t>
+            </a:r>
+          </a:p>
+        </p:txBody>
+      </p:sp>
+      <p:sp>
+        <p:nvSpPr>
+          <p:cNvPr id="5" name="TextBox 4">
+            <a:extLst>
+              <a:ext uri="{FF2B5EF4-FFF2-40B4-BE49-F238E27FC236}">
+                <a16:creationId xmlns:a16="http://schemas.microsoft.com/office/drawing/2014/main" id="{7F019A57-CA59-E832-88C6-3CC1DBB2CB31}"/>
+              </a:ext>
+            </a:extLst>
+          </p:cNvPr>
+          <p:cNvSpPr txBox="1"/>
+          <p:nvPr/>
+        </p:nvSpPr>
+        <p:spPr>
+          <a:xfrm>
+            <a:off x="4927476" y="571327"/>
+            <a:ext cx="6096000" cy="5909310"/>
+          </a:xfrm>
+          <a:prstGeom prst="rect">
+            <a:avLst/>
+          </a:prstGeom>
+          <a:noFill/>
+        </p:spPr>
+        <p:txBody>
+          <a:bodyPr wrap="square">
+            <a:spAutoFit/>
+          </a:bodyPr>
+          <a:lstStyle/>
+          <a:p>
+            <a:r>
+              <a:rPr lang="en-US" dirty="0"/>
+              <a:t>DevOps is a software development approach emphasizing collaboration, automation, and continuous delivery to provide high-quality products to customers quickly and efficiently. DevOps breaks down silos between development and operations teams to enable seamless communication, faster time-to-market, and improved customer satisfaction. It allows a team to handle the complete application lifecycle, from development to testing, operations, and deployment. It shows cooperation between Development and Operations groups to deploy code to production quickly in an automated and repeatable manner.</a:t>
+            </a:r>
+          </a:p>
+          <a:p>
+            <a:endParaRPr lang="en-US" dirty="0"/>
+          </a:p>
+          <a:p>
+            <a:r>
+              <a:rPr lang="en-US" dirty="0"/>
+              <a:t>Every phase of the software development lifecycle, including planning, coding, testing, deployment, and monitoring, is heavily automated in DevOps. This improves productivity, ensures consistency, and lowers error rates in the development process. A culture of continuous improvement is also promoted by DevOps, where feedback loops are incorporated into the procedure to facilitate quicker iteration and better decision-making. Organizations can increase their agility, lower costs, and speed up innovation by adopting DevOps.</a:t>
+            </a:r>
+            <a:endParaRPr lang="ru-UA" dirty="0"/>
           </a:p>
         </p:txBody>
       </p:sp>
@@ -6566,7 +7145,7 @@
           <p:cNvPr id="3" name="Picture 2">
             <a:extLst>
               <a:ext uri="{FF2B5EF4-FFF2-40B4-BE49-F238E27FC236}">
-                <a16:creationId xmlns:a16="http://schemas.microsoft.com/office/drawing/2014/main" id="{94771F4B-C97E-4C7E-EE32-62B9CE4843E8}"/>
+                <a16:creationId xmlns:a16="http://schemas.microsoft.com/office/drawing/2014/main" id="{4E689865-968D-3D93-994B-3AAC3051378B}"/>
               </a:ext>
             </a:extLst>
           </p:cNvPr>
@@ -6583,8 +7162,8 @@
         </p:blipFill>
         <p:spPr>
           <a:xfrm>
-            <a:off x="1560775" y="5093198"/>
-            <a:ext cx="1280271" cy="1274174"/>
+            <a:off x="1168524" y="5162469"/>
+            <a:ext cx="2068989" cy="1179621"/>
           </a:xfrm>
           <a:prstGeom prst="rect">
             <a:avLst/>
@@ -6593,90 +7172,10 @@
       </p:pic>
       <p:sp>
         <p:nvSpPr>
-          <p:cNvPr id="6" name="TextBox 5">
-            <a:extLst>
-              <a:ext uri="{FF2B5EF4-FFF2-40B4-BE49-F238E27FC236}">
-                <a16:creationId xmlns:a16="http://schemas.microsoft.com/office/drawing/2014/main" id="{115DFACF-1AA5-C3DC-C0A7-872F6D553428}"/>
-              </a:ext>
-            </a:extLst>
-          </p:cNvPr>
-          <p:cNvSpPr txBox="1"/>
-          <p:nvPr/>
-        </p:nvSpPr>
-        <p:spPr>
-          <a:xfrm>
-            <a:off x="4535224" y="394692"/>
-            <a:ext cx="7263485" cy="5909310"/>
-          </a:xfrm>
-          <a:prstGeom prst="rect">
-            <a:avLst/>
-          </a:prstGeom>
-          <a:noFill/>
-        </p:spPr>
-        <p:txBody>
-          <a:bodyPr wrap="square">
-            <a:spAutoFit/>
-          </a:bodyPr>
-          <a:lstStyle/>
-          <a:p>
-            <a:endParaRPr lang="en-US" dirty="0"/>
-          </a:p>
-          <a:p>
-            <a:r>
-              <a:rPr lang="en-US" dirty="0"/>
-              <a:t>    Plan: Determining the commercial needs and gathering the opinions of end-user by professionals in this level of the DevOps lifecycle. </a:t>
-            </a:r>
-          </a:p>
-          <a:p>
-            <a:r>
-              <a:rPr lang="en-US" dirty="0"/>
-              <a:t>    Code: At this level, the code for the same is developed and in order to simplify the design, the team of developers uses tools and extensions that take care of security problems.</a:t>
-            </a:r>
-          </a:p>
-          <a:p>
-            <a:r>
-              <a:rPr lang="en-US" dirty="0"/>
-              <a:t>    Build: After the coding part, programmers use various tools for the submission of the code to the common code source.</a:t>
-            </a:r>
-          </a:p>
-          <a:p>
-            <a:r>
-              <a:rPr lang="en-US" dirty="0"/>
-              <a:t>    Test: This level is very important to assure software integrity. Various sorts of tests are done such as user acceptability testing, safety testing, speed testing, and many more.</a:t>
-            </a:r>
-          </a:p>
-          <a:p>
-            <a:r>
-              <a:rPr lang="en-US" dirty="0"/>
-              <a:t>    Release: At this level, everything is ready to be deployed in the operational environment.</a:t>
-            </a:r>
-          </a:p>
-          <a:p>
-            <a:r>
-              <a:rPr lang="en-US" dirty="0"/>
-              <a:t>    Deploy: In this level, Infrastructure-as-Code assists in creating the operational infrastructure and subsequently publishes the build using various DevOps lifecycle tools.  </a:t>
-            </a:r>
-          </a:p>
-          <a:p>
-            <a:r>
-              <a:rPr lang="en-US" dirty="0"/>
-              <a:t>    Operate: At this level, the available version is ready for users to use. Here, the department looks after the server configuration and deployment.</a:t>
-            </a:r>
-          </a:p>
-          <a:p>
-            <a:r>
-              <a:rPr lang="en-US" dirty="0"/>
-              <a:t>    Monitor: The observation is done at this level that depends on the data which is gathered from consumer behavior, the efficiency of applications, and from various other sources.</a:t>
-            </a:r>
-          </a:p>
-        </p:txBody>
-      </p:sp>
-      <p:sp>
-        <p:nvSpPr>
           <p:cNvPr id="4" name="Footer Placeholder 3">
             <a:extLst>
               <a:ext uri="{FF2B5EF4-FFF2-40B4-BE49-F238E27FC236}">
-                <a16:creationId xmlns:a16="http://schemas.microsoft.com/office/drawing/2014/main" id="{8B0BEAB3-A8AD-53BA-4A45-0D884163CAF7}"/>
+                <a16:creationId xmlns:a16="http://schemas.microsoft.com/office/drawing/2014/main" id="{DBCAB844-F397-87BE-9913-550CD24346E5}"/>
               </a:ext>
             </a:extLst>
           </p:cNvPr>
@@ -6703,7 +7202,7 @@
     </p:spTree>
     <p:extLst>
       <p:ext uri="{BB962C8B-B14F-4D97-AF65-F5344CB8AC3E}">
-        <p14:creationId xmlns:p14="http://schemas.microsoft.com/office/powerpoint/2010/main" val="2385514391"/>
+        <p14:creationId xmlns:p14="http://schemas.microsoft.com/office/powerpoint/2010/main" val="1284720075"/>
       </p:ext>
     </p:extLst>
   </p:cSld>
@@ -6740,7 +7239,7 @@
       </p:grpSpPr>
       <p:sp>
         <p:nvSpPr>
-          <p:cNvPr id="24" name="Down Arrow 7">
+          <p:cNvPr id="10" name="Down Arrow 7">
             <a:extLst>
               <a:ext uri="{FF2B5EF4-FFF2-40B4-BE49-F238E27FC236}">
                 <a16:creationId xmlns:a16="http://schemas.microsoft.com/office/drawing/2014/main" id="{D4771268-CB57-404A-9271-370EB28F6090}"/>
@@ -6809,7 +7308,7 @@
           <p:cNvPr id="2" name="Title 1">
             <a:extLst>
               <a:ext uri="{FF2B5EF4-FFF2-40B4-BE49-F238E27FC236}">
-                <a16:creationId xmlns:a16="http://schemas.microsoft.com/office/drawing/2014/main" id="{53C5D828-9666-E312-B574-9FE965A7D6BE}"/>
+                <a16:creationId xmlns:a16="http://schemas.microsoft.com/office/drawing/2014/main" id="{DB2FBD6F-5487-CF83-1B78-61E52C9B601E}"/>
               </a:ext>
             </a:extLst>
           </p:cNvPr>
@@ -6835,7 +7334,7 @@
           <a:p>
             <a:pPr algn="ctr"/>
             <a:r>
-              <a:rPr lang="en-US" sz="3600" kern="1200" dirty="0">
+              <a:rPr lang="en-US" sz="3600" kern="1200">
                 <a:solidFill>
                   <a:srgbClr val="FFFFFF"/>
                 </a:solidFill>
@@ -6843,28 +7342,7 @@
                 <a:ea typeface="+mj-ea"/>
                 <a:cs typeface="+mj-cs"/>
               </a:rPr>
-              <a:t>DevOps</a:t>
-            </a:r>
-            <a:br>
-              <a:rPr lang="en-US" sz="3600" kern="1200" dirty="0">
-                <a:solidFill>
-                  <a:srgbClr val="FFFFFF"/>
-                </a:solidFill>
-                <a:latin typeface="+mj-lt"/>
-                <a:ea typeface="+mj-ea"/>
-                <a:cs typeface="+mj-cs"/>
-              </a:rPr>
-            </a:br>
-            <a:r>
-              <a:rPr lang="en-US" sz="3600" kern="1200" dirty="0">
-                <a:solidFill>
-                  <a:srgbClr val="FFFFFF"/>
-                </a:solidFill>
-                <a:latin typeface="+mj-lt"/>
-                <a:ea typeface="+mj-ea"/>
-                <a:cs typeface="+mj-cs"/>
-              </a:rPr>
-              <a:t>Lifecycle</a:t>
+              <a:t>What’s DevOps?</a:t>
             </a:r>
           </a:p>
         </p:txBody>
@@ -6874,7 +7352,7 @@
           <p:cNvPr id="3" name="Picture 2">
             <a:extLst>
               <a:ext uri="{FF2B5EF4-FFF2-40B4-BE49-F238E27FC236}">
-                <a16:creationId xmlns:a16="http://schemas.microsoft.com/office/drawing/2014/main" id="{1546C464-6844-1963-9CFB-73B9F3FB02A1}"/>
+                <a16:creationId xmlns:a16="http://schemas.microsoft.com/office/drawing/2014/main" id="{73192EE5-F292-E8DF-78BB-C480918593D9}"/>
               </a:ext>
             </a:extLst>
           </p:cNvPr>
@@ -6891,8 +7369,8 @@
         </p:blipFill>
         <p:spPr>
           <a:xfrm>
-            <a:off x="827035" y="5055840"/>
-            <a:ext cx="3032230" cy="1508949"/>
+            <a:off x="1163766" y="5259532"/>
+            <a:ext cx="2021988" cy="1165059"/>
           </a:xfrm>
           <a:prstGeom prst="rect">
             <a:avLst/>
@@ -6901,10 +7379,10 @@
       </p:pic>
       <p:sp>
         <p:nvSpPr>
-          <p:cNvPr id="8" name="TextBox 7">
-            <a:extLst>
-              <a:ext uri="{FF2B5EF4-FFF2-40B4-BE49-F238E27FC236}">
-                <a16:creationId xmlns:a16="http://schemas.microsoft.com/office/drawing/2014/main" id="{962CACC9-F2FB-EAE2-C7FA-A5DDED1544E9}"/>
+          <p:cNvPr id="5" name="TextBox 4">
+            <a:extLst>
+              <a:ext uri="{FF2B5EF4-FFF2-40B4-BE49-F238E27FC236}">
+                <a16:creationId xmlns:a16="http://schemas.microsoft.com/office/drawing/2014/main" id="{3101D806-403A-F079-818A-1207B8442687}"/>
               </a:ext>
             </a:extLst>
           </p:cNvPr>
@@ -6913,8 +7391,8 @@
         </p:nvSpPr>
         <p:spPr>
           <a:xfrm>
-            <a:off x="5376120" y="1797126"/>
-            <a:ext cx="5419699" cy="2585323"/>
+            <a:off x="4627417" y="377991"/>
+            <a:ext cx="7232073" cy="5909310"/>
           </a:xfrm>
           <a:prstGeom prst="rect">
             <a:avLst/>
@@ -6929,7 +7407,7 @@
           <a:p>
             <a:r>
               <a:rPr lang="en-US" dirty="0"/>
-              <a:t>7 Cs of DevOps </a:t>
+              <a:t>Why DevOps?</a:t>
             </a:r>
           </a:p>
           <a:p>
@@ -6938,44 +7416,27 @@
           <a:p>
             <a:r>
               <a:rPr lang="en-US" dirty="0"/>
-              <a:t>    Continuous Development</a:t>
-            </a:r>
+              <a:t>The goal of DevOps is to increase an organization’s speed when it comes to delivering applications and services. Many companies have successfully implemented DevOps to enhance their user experience including Amazon, Netflix, etc.</a:t>
+            </a:r>
+          </a:p>
+          <a:p>
+            <a:endParaRPr lang="en-US" dirty="0"/>
           </a:p>
           <a:p>
             <a:r>
               <a:rPr lang="en-US" dirty="0"/>
-              <a:t>    Continuous Integration</a:t>
-            </a:r>
+              <a:t>Facebook’s mobile app which is updated every two weeks effectively tells users you can have what you want and you can have it. Now ever wondered how Facebook was able to do social smoothing? It’s the DevOps philosophy that helps Facebook ensure that apps aren’t outdated and that users get the best experience on Facebook. Facebook accomplishes this true code ownership model that makes its developers responsible that includes testing and supporting through production and delivery for each kernel of code. They write and update their true policies like this but Facebook has developed a DevOps culture and has successfully accelerated its development lifecycle.</a:t>
+            </a:r>
+          </a:p>
+          <a:p>
+            <a:endParaRPr lang="en-US" dirty="0"/>
           </a:p>
           <a:p>
             <a:r>
               <a:rPr lang="en-US" dirty="0"/>
-              <a:t>    Continuous Testing</a:t>
-            </a:r>
-          </a:p>
-          <a:p>
-            <a:r>
-              <a:rPr lang="en-US" dirty="0"/>
-              <a:t>    Continuous Deployment/Continuous Delivery</a:t>
-            </a:r>
-          </a:p>
-          <a:p>
-            <a:r>
-              <a:rPr lang="en-US" dirty="0"/>
-              <a:t>    Continuous Monitoring</a:t>
-            </a:r>
-          </a:p>
-          <a:p>
-            <a:r>
-              <a:rPr lang="en-US" dirty="0"/>
-              <a:t>    Continuous Feedback</a:t>
-            </a:r>
-          </a:p>
-          <a:p>
-            <a:r>
-              <a:rPr lang="en-US" dirty="0"/>
-              <a:t>    Continuous Operations</a:t>
-            </a:r>
+              <a:t>Industries have started to gear up for digital transformation by shifting their means to weeks and months instead of years while maintaining high quality as a result.  The solution to all this is- DevOps</a:t>
+            </a:r>
+            <a:endParaRPr lang="ru-UA" dirty="0"/>
           </a:p>
         </p:txBody>
       </p:sp>
@@ -6984,7 +7445,7 @@
           <p:cNvPr id="4" name="Footer Placeholder 3">
             <a:extLst>
               <a:ext uri="{FF2B5EF4-FFF2-40B4-BE49-F238E27FC236}">
-                <a16:creationId xmlns:a16="http://schemas.microsoft.com/office/drawing/2014/main" id="{CDA6DB9D-1232-9209-5FA8-B474840C6C60}"/>
+                <a16:creationId xmlns:a16="http://schemas.microsoft.com/office/drawing/2014/main" id="{949B1264-5D03-D1CE-2CEC-FDEDCDDF5051}"/>
               </a:ext>
             </a:extLst>
           </p:cNvPr>
@@ -7011,7 +7472,7 @@
     </p:spTree>
     <p:extLst>
       <p:ext uri="{BB962C8B-B14F-4D97-AF65-F5344CB8AC3E}">
-        <p14:creationId xmlns:p14="http://schemas.microsoft.com/office/powerpoint/2010/main" val="1272792471"/>
+        <p14:creationId xmlns:p14="http://schemas.microsoft.com/office/powerpoint/2010/main" val="3417182101"/>
       </p:ext>
     </p:extLst>
   </p:cSld>
@@ -7048,7 +7509,7 @@
       </p:grpSpPr>
       <p:sp>
         <p:nvSpPr>
-          <p:cNvPr id="9" name="Down Arrow 7">
+          <p:cNvPr id="24" name="Down Arrow 7">
             <a:extLst>
               <a:ext uri="{FF2B5EF4-FFF2-40B4-BE49-F238E27FC236}">
                 <a16:creationId xmlns:a16="http://schemas.microsoft.com/office/drawing/2014/main" id="{D4771268-CB57-404A-9271-370EB28F6090}"/>
@@ -7143,7 +7604,7 @@
           <a:p>
             <a:pPr algn="ctr"/>
             <a:r>
-              <a:rPr lang="en-US" sz="3300" kern="1200">
+              <a:rPr lang="en-US" sz="3600" kern="1200" dirty="0">
                 <a:solidFill>
                   <a:srgbClr val="FFFFFF"/>
                 </a:solidFill>
@@ -7151,17 +7612,38 @@
                 <a:ea typeface="+mj-ea"/>
                 <a:cs typeface="+mj-cs"/>
               </a:rPr>
-              <a:t>Continuous Development</a:t>
+              <a:t>DevOps</a:t>
+            </a:r>
+            <a:br>
+              <a:rPr lang="en-US" sz="3600" kern="1200" dirty="0">
+                <a:solidFill>
+                  <a:srgbClr val="FFFFFF"/>
+                </a:solidFill>
+                <a:latin typeface="+mj-lt"/>
+                <a:ea typeface="+mj-ea"/>
+                <a:cs typeface="+mj-cs"/>
+              </a:rPr>
+            </a:br>
+            <a:r>
+              <a:rPr lang="en-US" sz="3600" kern="1200" dirty="0">
+                <a:solidFill>
+                  <a:srgbClr val="FFFFFF"/>
+                </a:solidFill>
+                <a:latin typeface="+mj-lt"/>
+                <a:ea typeface="+mj-ea"/>
+                <a:cs typeface="+mj-cs"/>
+              </a:rPr>
+              <a:t>Lifecycle</a:t>
             </a:r>
           </a:p>
         </p:txBody>
       </p:sp>
       <p:pic>
         <p:nvPicPr>
-          <p:cNvPr id="4" name="Picture 3">
-            <a:extLst>
-              <a:ext uri="{FF2B5EF4-FFF2-40B4-BE49-F238E27FC236}">
-                <a16:creationId xmlns:a16="http://schemas.microsoft.com/office/drawing/2014/main" id="{110B72A2-37FD-3982-5358-333497678F76}"/>
+          <p:cNvPr id="3" name="Picture 2">
+            <a:extLst>
+              <a:ext uri="{FF2B5EF4-FFF2-40B4-BE49-F238E27FC236}">
+                <a16:creationId xmlns:a16="http://schemas.microsoft.com/office/drawing/2014/main" id="{94771F4B-C97E-4C7E-EE32-62B9CE4843E8}"/>
               </a:ext>
             </a:extLst>
           </p:cNvPr>
@@ -7178,8 +7660,8 @@
         </p:blipFill>
         <p:spPr>
           <a:xfrm>
-            <a:off x="717422" y="5098713"/>
-            <a:ext cx="2842714" cy="1421357"/>
+            <a:off x="1560775" y="5093198"/>
+            <a:ext cx="1280271" cy="1274174"/>
           </a:xfrm>
           <a:prstGeom prst="rect">
             <a:avLst/>
@@ -7188,10 +7670,10 @@
       </p:pic>
       <p:sp>
         <p:nvSpPr>
-          <p:cNvPr id="7" name="TextBox 6">
-            <a:extLst>
-              <a:ext uri="{FF2B5EF4-FFF2-40B4-BE49-F238E27FC236}">
-                <a16:creationId xmlns:a16="http://schemas.microsoft.com/office/drawing/2014/main" id="{01126049-0F88-3BD5-09AE-A83AF81ABE26}"/>
+          <p:cNvPr id="6" name="TextBox 5">
+            <a:extLst>
+              <a:ext uri="{FF2B5EF4-FFF2-40B4-BE49-F238E27FC236}">
+                <a16:creationId xmlns:a16="http://schemas.microsoft.com/office/drawing/2014/main" id="{115DFACF-1AA5-C3DC-C0A7-872F6D553428}"/>
               </a:ext>
             </a:extLst>
           </p:cNvPr>
@@ -7200,8 +7682,8 @@
         </p:nvSpPr>
         <p:spPr>
           <a:xfrm>
-            <a:off x="5069478" y="1967266"/>
-            <a:ext cx="6093822" cy="2585323"/>
+            <a:off x="4535224" y="394692"/>
+            <a:ext cx="7263485" cy="5909310"/>
           </a:xfrm>
           <a:prstGeom prst="rect">
             <a:avLst/>
@@ -7214,20 +7696,64 @@
           </a:bodyPr>
           <a:lstStyle/>
           <a:p>
+            <a:endParaRPr lang="en-US" dirty="0"/>
+          </a:p>
+          <a:p>
             <a:r>
               <a:rPr lang="en-US" dirty="0"/>
-              <a:t>In Continuous Development code is written in small, continuous bits rather than all at once, Continuous Development is important in DevOps because this improves efficiency every time a piece of code is created, it is tested, built, and deployed into production. Continuous Development raises the standard of the code and streamlines the process of repairing flaws, vulnerabilities, and defects. It facilitates developers’ ability to concentrate on creating high-quality code.</a:t>
-            </a:r>
-            <a:endParaRPr lang="ru-UA" dirty="0"/>
-          </a:p>
-        </p:txBody>
-      </p:sp>
-      <p:sp>
-        <p:nvSpPr>
-          <p:cNvPr id="3" name="Footer Placeholder 2">
-            <a:extLst>
-              <a:ext uri="{FF2B5EF4-FFF2-40B4-BE49-F238E27FC236}">
-                <a16:creationId xmlns:a16="http://schemas.microsoft.com/office/drawing/2014/main" id="{6098B7C7-8455-583C-826D-FE4B22A9AFC9}"/>
+              <a:t>    Plan: Determining the commercial needs and gathering the opinions of end-user by professionals in this level of the DevOps lifecycle. </a:t>
+            </a:r>
+          </a:p>
+          <a:p>
+            <a:r>
+              <a:rPr lang="en-US" dirty="0"/>
+              <a:t>    Code: At this level, the code for the same is developed and in order to simplify the design, the team of developers uses tools and extensions that take care of security problems.</a:t>
+            </a:r>
+          </a:p>
+          <a:p>
+            <a:r>
+              <a:rPr lang="en-US" dirty="0"/>
+              <a:t>    Build: After the coding part, programmers use various tools for the submission of the code to the common code source.</a:t>
+            </a:r>
+          </a:p>
+          <a:p>
+            <a:r>
+              <a:rPr lang="en-US" dirty="0"/>
+              <a:t>    Test: This level is very important to assure software integrity. Various sorts of tests are done such as user acceptability testing, safety testing, speed testing, and many more.</a:t>
+            </a:r>
+          </a:p>
+          <a:p>
+            <a:r>
+              <a:rPr lang="en-US" dirty="0"/>
+              <a:t>    Release: At this level, everything is ready to be deployed in the operational environment.</a:t>
+            </a:r>
+          </a:p>
+          <a:p>
+            <a:r>
+              <a:rPr lang="en-US" dirty="0"/>
+              <a:t>    Deploy: In this level, Infrastructure-as-Code assists in creating the operational infrastructure and subsequently publishes the build using various DevOps lifecycle tools.  </a:t>
+            </a:r>
+          </a:p>
+          <a:p>
+            <a:r>
+              <a:rPr lang="en-US" dirty="0"/>
+              <a:t>    Operate: At this level, the available version is ready for users to use. Here, the department looks after the server configuration and deployment.</a:t>
+            </a:r>
+          </a:p>
+          <a:p>
+            <a:r>
+              <a:rPr lang="en-US" dirty="0"/>
+              <a:t>    Monitor: The observation is done at this level that depends on the data which is gathered from consumer behavior, the efficiency of applications, and from various other sources.</a:t>
+            </a:r>
+          </a:p>
+        </p:txBody>
+      </p:sp>
+      <p:sp>
+        <p:nvSpPr>
+          <p:cNvPr id="4" name="Footer Placeholder 3">
+            <a:extLst>
+              <a:ext uri="{FF2B5EF4-FFF2-40B4-BE49-F238E27FC236}">
+                <a16:creationId xmlns:a16="http://schemas.microsoft.com/office/drawing/2014/main" id="{8B0BEAB3-A8AD-53BA-4A45-0D884163CAF7}"/>
               </a:ext>
             </a:extLst>
           </p:cNvPr>
@@ -7254,7 +7780,7 @@
     </p:spTree>
     <p:extLst>
       <p:ext uri="{BB962C8B-B14F-4D97-AF65-F5344CB8AC3E}">
-        <p14:creationId xmlns:p14="http://schemas.microsoft.com/office/powerpoint/2010/main" val="3278151509"/>
+        <p14:creationId xmlns:p14="http://schemas.microsoft.com/office/powerpoint/2010/main" val="2385514391"/>
       </p:ext>
     </p:extLst>
   </p:cSld>
@@ -7291,7 +7817,7 @@
       </p:grpSpPr>
       <p:sp>
         <p:nvSpPr>
-          <p:cNvPr id="8" name="Down Arrow 7">
+          <p:cNvPr id="24" name="Down Arrow 7">
             <a:extLst>
               <a:ext uri="{FF2B5EF4-FFF2-40B4-BE49-F238E27FC236}">
                 <a16:creationId xmlns:a16="http://schemas.microsoft.com/office/drawing/2014/main" id="{D4771268-CB57-404A-9271-370EB28F6090}"/>
@@ -7394,7 +7920,28 @@
                 <a:ea typeface="+mj-ea"/>
                 <a:cs typeface="+mj-cs"/>
               </a:rPr>
-              <a:t>Continuous Integration</a:t>
+              <a:t>DevOps</a:t>
+            </a:r>
+            <a:br>
+              <a:rPr lang="en-US" sz="3600" kern="1200" dirty="0">
+                <a:solidFill>
+                  <a:srgbClr val="FFFFFF"/>
+                </a:solidFill>
+                <a:latin typeface="+mj-lt"/>
+                <a:ea typeface="+mj-ea"/>
+                <a:cs typeface="+mj-cs"/>
+              </a:rPr>
+            </a:br>
+            <a:r>
+              <a:rPr lang="en-US" sz="3600" kern="1200" dirty="0">
+                <a:solidFill>
+                  <a:srgbClr val="FFFFFF"/>
+                </a:solidFill>
+                <a:latin typeface="+mj-lt"/>
+                <a:ea typeface="+mj-ea"/>
+                <a:cs typeface="+mj-cs"/>
+              </a:rPr>
+              <a:t>Lifecycle</a:t>
             </a:r>
           </a:p>
         </p:txBody>
@@ -7404,7 +7951,7 @@
           <p:cNvPr id="3" name="Picture 2">
             <a:extLst>
               <a:ext uri="{FF2B5EF4-FFF2-40B4-BE49-F238E27FC236}">
-                <a16:creationId xmlns:a16="http://schemas.microsoft.com/office/drawing/2014/main" id="{05A9FF40-DCEC-8E82-7C4D-BDBC1FAB1FDA}"/>
+                <a16:creationId xmlns:a16="http://schemas.microsoft.com/office/drawing/2014/main" id="{1546C464-6844-1963-9CFB-73B9F3FB02A1}"/>
               </a:ext>
             </a:extLst>
           </p:cNvPr>
@@ -7421,8 +7968,8 @@
         </p:blipFill>
         <p:spPr>
           <a:xfrm>
-            <a:off x="1171527" y="5283981"/>
-            <a:ext cx="2590893" cy="1217719"/>
+            <a:off x="827035" y="5055840"/>
+            <a:ext cx="3032230" cy="1508949"/>
           </a:xfrm>
           <a:prstGeom prst="rect">
             <a:avLst/>
@@ -7431,10 +7978,10 @@
       </p:pic>
       <p:sp>
         <p:nvSpPr>
-          <p:cNvPr id="7" name="TextBox 6">
-            <a:extLst>
-              <a:ext uri="{FF2B5EF4-FFF2-40B4-BE49-F238E27FC236}">
-                <a16:creationId xmlns:a16="http://schemas.microsoft.com/office/drawing/2014/main" id="{0C7CD13E-FC32-AC89-26A1-AF80634998A4}"/>
+          <p:cNvPr id="8" name="TextBox 7">
+            <a:extLst>
+              <a:ext uri="{FF2B5EF4-FFF2-40B4-BE49-F238E27FC236}">
+                <a16:creationId xmlns:a16="http://schemas.microsoft.com/office/drawing/2014/main" id="{962CACC9-F2FB-EAE2-C7FA-A5DDED1544E9}"/>
               </a:ext>
             </a:extLst>
           </p:cNvPr>
@@ -7443,8 +7990,8 @@
         </p:nvSpPr>
         <p:spPr>
           <a:xfrm>
-            <a:off x="4402182" y="499195"/>
-            <a:ext cx="7406640" cy="5632311"/>
+            <a:off x="5376120" y="1797126"/>
+            <a:ext cx="5419699" cy="2585323"/>
           </a:xfrm>
           <a:prstGeom prst="rect">
             <a:avLst/>
@@ -7459,7 +8006,7 @@
           <a:p>
             <a:r>
               <a:rPr lang="en-US" dirty="0"/>
-              <a:t>Continuous Integration can be explained mainly in 4 stages in DevOps. They are as follows:</a:t>
+              <a:t>7 Cs of DevOps </a:t>
             </a:r>
           </a:p>
           <a:p>
@@ -7468,52 +8015,44 @@
           <a:p>
             <a:r>
               <a:rPr lang="en-US" dirty="0"/>
-              <a:t>    Getting the </a:t>
-            </a:r>
-            <a:r>
-              <a:rPr lang="en-US" dirty="0" err="1"/>
-              <a:t>SourceCode</a:t>
-            </a:r>
+              <a:t>    Continuous Development</a:t>
+            </a:r>
+          </a:p>
+          <a:p>
             <a:r>
               <a:rPr lang="en-US" dirty="0"/>
-              <a:t> from SCM</a:t>
+              <a:t>    Continuous Integration</a:t>
             </a:r>
           </a:p>
           <a:p>
             <a:r>
               <a:rPr lang="en-US" dirty="0"/>
-              <a:t>    Building the code</a:t>
+              <a:t>    Continuous Testing</a:t>
             </a:r>
           </a:p>
           <a:p>
             <a:r>
               <a:rPr lang="en-US" dirty="0"/>
-              <a:t>    Code quality review</a:t>
+              <a:t>    Continuous Deployment/Continuous Delivery</a:t>
             </a:r>
           </a:p>
           <a:p>
             <a:r>
               <a:rPr lang="en-US" dirty="0"/>
-              <a:t>    Storing the build artifacts </a:t>
-            </a:r>
-          </a:p>
-          <a:p>
-            <a:endParaRPr lang="en-US" dirty="0"/>
+              <a:t>    Continuous Monitoring</a:t>
+            </a:r>
           </a:p>
           <a:p>
             <a:r>
               <a:rPr lang="en-US" dirty="0"/>
-              <a:t>The stages mentioned above are the flow of Continuous Integration and we can use any of the tools that suit our requirement in each stage and of the most popular tools are GitHub for source code management(SCM) when the developer develops the code on his local machine he pushes it to the remote repository which is GitHub from here who is having the access can Pull, clone and can make required changes to the code. From there by using Maven we can build them into the required package (war, jar, ear) and can test the Junit </a:t>
-            </a:r>
-            <a:r>
-              <a:rPr lang="en-US" dirty="0" err="1"/>
-              <a:t>cases.SonarQube</a:t>
-            </a:r>
+              <a:t>    Continuous Feedback</a:t>
+            </a:r>
+          </a:p>
+          <a:p>
             <a:r>
               <a:rPr lang="en-US" dirty="0"/>
-              <a:t> performs code quality reviews where it will measure the quality of source code and generates a report in the form of HTML or PDF format. Nexus for storing the build artifacts will help us to store the artifacts that are build by using Maven and this whole process is achieved by using a Continuous Integration tool Jenkins.</a:t>
-            </a:r>
-            <a:endParaRPr lang="ru-UA" dirty="0"/>
+              <a:t>    Continuous Operations</a:t>
+            </a:r>
           </a:p>
         </p:txBody>
       </p:sp>
@@ -7522,7 +8061,7 @@
           <p:cNvPr id="4" name="Footer Placeholder 3">
             <a:extLst>
               <a:ext uri="{FF2B5EF4-FFF2-40B4-BE49-F238E27FC236}">
-                <a16:creationId xmlns:a16="http://schemas.microsoft.com/office/drawing/2014/main" id="{AE48E488-8A4A-7AFF-537A-4A9304CC6EF5}"/>
+                <a16:creationId xmlns:a16="http://schemas.microsoft.com/office/drawing/2014/main" id="{CDA6DB9D-1232-9209-5FA8-B474840C6C60}"/>
               </a:ext>
             </a:extLst>
           </p:cNvPr>
@@ -7549,7 +8088,7 @@
     </p:spTree>
     <p:extLst>
       <p:ext uri="{BB962C8B-B14F-4D97-AF65-F5344CB8AC3E}">
-        <p14:creationId xmlns:p14="http://schemas.microsoft.com/office/powerpoint/2010/main" val="3670086471"/>
+        <p14:creationId xmlns:p14="http://schemas.microsoft.com/office/powerpoint/2010/main" val="1272792471"/>
       </p:ext>
     </p:extLst>
   </p:cSld>
@@ -7681,7 +8220,7 @@
           <a:p>
             <a:pPr algn="ctr"/>
             <a:r>
-              <a:rPr lang="en-US" sz="3600" kern="1200" dirty="0">
+              <a:rPr lang="en-US" sz="3300" kern="1200">
                 <a:solidFill>
                   <a:srgbClr val="FFFFFF"/>
                 </a:solidFill>
@@ -7689,7 +8228,7 @@
                 <a:ea typeface="+mj-ea"/>
                 <a:cs typeface="+mj-cs"/>
               </a:rPr>
-              <a:t>Continuous Testing</a:t>
+              <a:t>Continuous Development</a:t>
             </a:r>
           </a:p>
         </p:txBody>
@@ -7699,7 +8238,7 @@
           <p:cNvPr id="4" name="Picture 3">
             <a:extLst>
               <a:ext uri="{FF2B5EF4-FFF2-40B4-BE49-F238E27FC236}">
-                <a16:creationId xmlns:a16="http://schemas.microsoft.com/office/drawing/2014/main" id="{0A4A47BB-B86E-CE6D-6738-81D9FF41289F}"/>
+                <a16:creationId xmlns:a16="http://schemas.microsoft.com/office/drawing/2014/main" id="{110B72A2-37FD-3982-5358-333497678F76}"/>
               </a:ext>
             </a:extLst>
           </p:cNvPr>
@@ -7716,8 +8255,8 @@
         </p:blipFill>
         <p:spPr>
           <a:xfrm>
-            <a:off x="1028700" y="5536229"/>
-            <a:ext cx="2378858" cy="826653"/>
+            <a:off x="717422" y="5098713"/>
+            <a:ext cx="2842714" cy="1421357"/>
           </a:xfrm>
           <a:prstGeom prst="rect">
             <a:avLst/>
@@ -7726,10 +8265,10 @@
       </p:pic>
       <p:sp>
         <p:nvSpPr>
-          <p:cNvPr id="5" name="TextBox 4">
-            <a:extLst>
-              <a:ext uri="{FF2B5EF4-FFF2-40B4-BE49-F238E27FC236}">
-                <a16:creationId xmlns:a16="http://schemas.microsoft.com/office/drawing/2014/main" id="{E202FD3D-76E9-4318-0828-6FB8B5DBD2C5}"/>
+          <p:cNvPr id="7" name="TextBox 6">
+            <a:extLst>
+              <a:ext uri="{FF2B5EF4-FFF2-40B4-BE49-F238E27FC236}">
+                <a16:creationId xmlns:a16="http://schemas.microsoft.com/office/drawing/2014/main" id="{01126049-0F88-3BD5-09AE-A83AF81ABE26}"/>
               </a:ext>
             </a:extLst>
           </p:cNvPr>
@@ -7738,8 +8277,8 @@
         </p:nvSpPr>
         <p:spPr>
           <a:xfrm>
-            <a:off x="4927476" y="2086732"/>
-            <a:ext cx="6096000" cy="2308324"/>
+            <a:off x="5069478" y="1967266"/>
+            <a:ext cx="6093822" cy="2585323"/>
           </a:xfrm>
           <a:prstGeom prst="rect">
             <a:avLst/>
@@ -7754,23 +8293,7 @@
           <a:p>
             <a:r>
               <a:rPr lang="en-US" dirty="0"/>
-              <a:t>Any firm can deploy continuous testing with the use of the agile and DevOps methodologies. Depending on our needs, we can perform continuous testing using automation testing tools such as </a:t>
-            </a:r>
-            <a:r>
-              <a:rPr lang="en-US" dirty="0" err="1"/>
-              <a:t>Testsigma</a:t>
-            </a:r>
-            <a:r>
-              <a:rPr lang="en-US" dirty="0"/>
-              <a:t>, Selenium, </a:t>
-            </a:r>
-            <a:r>
-              <a:rPr lang="en-US" dirty="0" err="1"/>
-              <a:t>LambdaTest</a:t>
-            </a:r>
-            <a:r>
-              <a:rPr lang="en-US" dirty="0"/>
-              <a:t>, etc. With these tools, we can test our code and prevent problems and code smells, as well as test more quickly and intelligently. With the aid of a continuous integration platform like Jenkins, the entire process can be automated, which is another added benefit.</a:t>
+              <a:t>In Continuous Development code is written in small, continuous bits rather than all at once, Continuous Development is important in DevOps because this improves efficiency every time a piece of code is created, it is tested, built, and deployed into production. Continuous Development raises the standard of the code and streamlines the process of repairing flaws, vulnerabilities, and defects. It facilitates developers’ ability to concentrate on creating high-quality code.</a:t>
             </a:r>
             <a:endParaRPr lang="ru-UA" dirty="0"/>
           </a:p>
@@ -7781,7 +8304,7 @@
           <p:cNvPr id="3" name="Footer Placeholder 2">
             <a:extLst>
               <a:ext uri="{FF2B5EF4-FFF2-40B4-BE49-F238E27FC236}">
-                <a16:creationId xmlns:a16="http://schemas.microsoft.com/office/drawing/2014/main" id="{D8043F18-6249-5EDE-EF84-B351BC86587C}"/>
+                <a16:creationId xmlns:a16="http://schemas.microsoft.com/office/drawing/2014/main" id="{6098B7C7-8455-583C-826D-FE4B22A9AFC9}"/>
               </a:ext>
             </a:extLst>
           </p:cNvPr>
@@ -7808,7 +8331,7 @@
     </p:spTree>
     <p:extLst>
       <p:ext uri="{BB962C8B-B14F-4D97-AF65-F5344CB8AC3E}">
-        <p14:creationId xmlns:p14="http://schemas.microsoft.com/office/powerpoint/2010/main" val="2476824021"/>
+        <p14:creationId xmlns:p14="http://schemas.microsoft.com/office/powerpoint/2010/main" val="3278151509"/>
       </p:ext>
     </p:extLst>
   </p:cSld>
@@ -7845,7 +8368,7 @@
       </p:grpSpPr>
       <p:sp>
         <p:nvSpPr>
-          <p:cNvPr id="9" name="Down Arrow 7">
+          <p:cNvPr id="8" name="Down Arrow 7">
             <a:extLst>
               <a:ext uri="{FF2B5EF4-FFF2-40B4-BE49-F238E27FC236}">
                 <a16:creationId xmlns:a16="http://schemas.microsoft.com/office/drawing/2014/main" id="{D4771268-CB57-404A-9271-370EB28F6090}"/>
@@ -7948,7 +8471,7 @@
                 <a:ea typeface="+mj-ea"/>
                 <a:cs typeface="+mj-cs"/>
               </a:rPr>
-              <a:t>Continuous Deployment/ Continuous Delivery</a:t>
+              <a:t>Continuous Integration</a:t>
             </a:r>
           </a:p>
         </p:txBody>
@@ -7958,7 +8481,7 @@
           <p:cNvPr id="3" name="Picture 2">
             <a:extLst>
               <a:ext uri="{FF2B5EF4-FFF2-40B4-BE49-F238E27FC236}">
-                <a16:creationId xmlns:a16="http://schemas.microsoft.com/office/drawing/2014/main" id="{4E45773B-3762-41A2-A15B-67E57E13AFF0}"/>
+                <a16:creationId xmlns:a16="http://schemas.microsoft.com/office/drawing/2014/main" id="{05A9FF40-DCEC-8E82-7C4D-BDBC1FAB1FDA}"/>
               </a:ext>
             </a:extLst>
           </p:cNvPr>
@@ -7975,8 +8498,8 @@
         </p:blipFill>
         <p:spPr>
           <a:xfrm>
-            <a:off x="717422" y="5116362"/>
-            <a:ext cx="2656698" cy="1230592"/>
+            <a:off x="1171527" y="5283981"/>
+            <a:ext cx="2590893" cy="1217719"/>
           </a:xfrm>
           <a:prstGeom prst="rect">
             <a:avLst/>
@@ -7985,10 +8508,10 @@
       </p:pic>
       <p:sp>
         <p:nvSpPr>
-          <p:cNvPr id="10" name="TextBox 9">
-            <a:extLst>
-              <a:ext uri="{FF2B5EF4-FFF2-40B4-BE49-F238E27FC236}">
-                <a16:creationId xmlns:a16="http://schemas.microsoft.com/office/drawing/2014/main" id="{876EA409-9CED-1530-7AE1-2CE040ED9572}"/>
+          <p:cNvPr id="7" name="TextBox 6">
+            <a:extLst>
+              <a:ext uri="{FF2B5EF4-FFF2-40B4-BE49-F238E27FC236}">
+                <a16:creationId xmlns:a16="http://schemas.microsoft.com/office/drawing/2014/main" id="{0C7CD13E-FC32-AC89-26A1-AF80634998A4}"/>
               </a:ext>
             </a:extLst>
           </p:cNvPr>
@@ -7997,8 +8520,8 @@
         </p:nvSpPr>
         <p:spPr>
           <a:xfrm>
-            <a:off x="4527804" y="1574019"/>
-            <a:ext cx="6093822" cy="1477328"/>
+            <a:off x="4402182" y="499195"/>
+            <a:ext cx="7406640" cy="5632311"/>
           </a:xfrm>
           <a:prstGeom prst="rect">
             <a:avLst/>
@@ -8013,7 +8536,59 @@
           <a:p>
             <a:r>
               <a:rPr lang="en-US" dirty="0"/>
-              <a:t>Continuous Deployment: Continuous Deployment is the process of automatically deploying an application into the production environment when it has completed testing and the build stages. Here, we’ll automate everything from obtaining the application’s source code to deploying it</a:t>
+              <a:t>Continuous Integration can be explained mainly in 4 stages in DevOps. They are as follows:</a:t>
+            </a:r>
+          </a:p>
+          <a:p>
+            <a:endParaRPr lang="en-US" dirty="0"/>
+          </a:p>
+          <a:p>
+            <a:r>
+              <a:rPr lang="en-US" dirty="0"/>
+              <a:t>    Getting the </a:t>
+            </a:r>
+            <a:r>
+              <a:rPr lang="en-US" dirty="0" err="1"/>
+              <a:t>SourceCode</a:t>
+            </a:r>
+            <a:r>
+              <a:rPr lang="en-US" dirty="0"/>
+              <a:t> from SCM</a:t>
+            </a:r>
+          </a:p>
+          <a:p>
+            <a:r>
+              <a:rPr lang="en-US" dirty="0"/>
+              <a:t>    Building the code</a:t>
+            </a:r>
+          </a:p>
+          <a:p>
+            <a:r>
+              <a:rPr lang="en-US" dirty="0"/>
+              <a:t>    Code quality review</a:t>
+            </a:r>
+          </a:p>
+          <a:p>
+            <a:r>
+              <a:rPr lang="en-US" dirty="0"/>
+              <a:t>    Storing the build artifacts </a:t>
+            </a:r>
+          </a:p>
+          <a:p>
+            <a:endParaRPr lang="en-US" dirty="0"/>
+          </a:p>
+          <a:p>
+            <a:r>
+              <a:rPr lang="en-US" dirty="0"/>
+              <a:t>The stages mentioned above are the flow of Continuous Integration and we can use any of the tools that suit our requirement in each stage and of the most popular tools are GitHub for source code management(SCM) when the developer develops the code on his local machine he pushes it to the remote repository which is GitHub from here who is having the access can Pull, clone and can make required changes to the code. From there by using Maven we can build them into the required package (war, jar, ear) and can test the Junit </a:t>
+            </a:r>
+            <a:r>
+              <a:rPr lang="en-US" dirty="0" err="1"/>
+              <a:t>cases.SonarQube</a:t>
+            </a:r>
+            <a:r>
+              <a:rPr lang="en-US" dirty="0"/>
+              <a:t> performs code quality reviews where it will measure the quality of source code and generates a report in the form of HTML or PDF format. Nexus for storing the build artifacts will help us to store the artifacts that are build by using Maven and this whole process is achieved by using a Continuous Integration tool Jenkins.</a:t>
             </a:r>
             <a:endParaRPr lang="ru-UA" dirty="0"/>
           </a:p>
@@ -8021,55 +8596,10 @@
       </p:sp>
       <p:sp>
         <p:nvSpPr>
-          <p:cNvPr id="14" name="TextBox 13">
-            <a:extLst>
-              <a:ext uri="{FF2B5EF4-FFF2-40B4-BE49-F238E27FC236}">
-                <a16:creationId xmlns:a16="http://schemas.microsoft.com/office/drawing/2014/main" id="{51860035-8393-B608-A571-9F2BF673BAF4}"/>
-              </a:ext>
-            </a:extLst>
-          </p:cNvPr>
-          <p:cNvSpPr txBox="1"/>
-          <p:nvPr/>
-        </p:nvSpPr>
-        <p:spPr>
-          <a:xfrm>
-            <a:off x="4527804" y="3091093"/>
-            <a:ext cx="6093822" cy="2308324"/>
-          </a:xfrm>
-          <a:prstGeom prst="rect">
-            <a:avLst/>
-          </a:prstGeom>
-          <a:noFill/>
-        </p:spPr>
-        <p:txBody>
-          <a:bodyPr wrap="square">
-            <a:spAutoFit/>
-          </a:bodyPr>
-          <a:lstStyle/>
-          <a:p>
-            <a:r>
-              <a:rPr lang="en-US" dirty="0"/>
-              <a:t> </a:t>
-            </a:r>
-          </a:p>
-          <a:p>
-            <a:endParaRPr lang="en-US" dirty="0"/>
-          </a:p>
-          <a:p>
-            <a:r>
-              <a:rPr lang="en-US" dirty="0"/>
-              <a:t>Continuous Delivery: Continuous Delivery is the process of deploying an application into production servers manually when it has completed testing and the build stages. Here, we’ll automate the continuous integration processes, however, manual involvement is still required for deploying it to the production environment.</a:t>
-            </a:r>
-            <a:endParaRPr lang="ru-UA" dirty="0"/>
-          </a:p>
-        </p:txBody>
-      </p:sp>
-      <p:sp>
-        <p:nvSpPr>
           <p:cNvPr id="4" name="Footer Placeholder 3">
             <a:extLst>
               <a:ext uri="{FF2B5EF4-FFF2-40B4-BE49-F238E27FC236}">
-                <a16:creationId xmlns:a16="http://schemas.microsoft.com/office/drawing/2014/main" id="{281310E9-CD52-C391-4AED-753E85672589}"/>
+                <a16:creationId xmlns:a16="http://schemas.microsoft.com/office/drawing/2014/main" id="{AE48E488-8A4A-7AFF-537A-4A9304CC6EF5}"/>
               </a:ext>
             </a:extLst>
           </p:cNvPr>
@@ -8096,7 +8626,7 @@
     </p:spTree>
     <p:extLst>
       <p:ext uri="{BB962C8B-B14F-4D97-AF65-F5344CB8AC3E}">
-        <p14:creationId xmlns:p14="http://schemas.microsoft.com/office/powerpoint/2010/main" val="1454947672"/>
+        <p14:creationId xmlns:p14="http://schemas.microsoft.com/office/powerpoint/2010/main" val="3670086471"/>
       </p:ext>
     </p:extLst>
   </p:cSld>
